--- a/PresentationSlide.pptx
+++ b/PresentationSlide.pptx
@@ -5,10 +5,10 @@
     <p:sldMasterId id="2147483852" r:id="rId1"/>
   </p:sldMasterIdLst>
   <p:notesMasterIdLst>
-    <p:notesMasterId r:id="rId51"/>
+    <p:notesMasterId r:id="rId53"/>
   </p:notesMasterIdLst>
   <p:handoutMasterIdLst>
-    <p:handoutMasterId r:id="rId52"/>
+    <p:handoutMasterId r:id="rId54"/>
   </p:handoutMasterIdLst>
   <p:sldIdLst>
     <p:sldId id="256" r:id="rId2"/>
@@ -38,28 +38,30 @@
     <p:sldId id="315" r:id="rId26"/>
     <p:sldId id="316" r:id="rId27"/>
     <p:sldId id="313" r:id="rId28"/>
-    <p:sldId id="318" r:id="rId29"/>
-    <p:sldId id="263" r:id="rId30"/>
-    <p:sldId id="287" r:id="rId31"/>
-    <p:sldId id="279" r:id="rId32"/>
-    <p:sldId id="288" r:id="rId33"/>
-    <p:sldId id="280" r:id="rId34"/>
-    <p:sldId id="281" r:id="rId35"/>
-    <p:sldId id="282" r:id="rId36"/>
-    <p:sldId id="276" r:id="rId37"/>
-    <p:sldId id="289" r:id="rId38"/>
-    <p:sldId id="272" r:id="rId39"/>
-    <p:sldId id="277" r:id="rId40"/>
-    <p:sldId id="290" r:id="rId41"/>
-    <p:sldId id="273" r:id="rId42"/>
-    <p:sldId id="278" r:id="rId43"/>
-    <p:sldId id="291" r:id="rId44"/>
-    <p:sldId id="274" r:id="rId45"/>
-    <p:sldId id="264" r:id="rId46"/>
-    <p:sldId id="292" r:id="rId47"/>
-    <p:sldId id="283" r:id="rId48"/>
-    <p:sldId id="284" r:id="rId49"/>
-    <p:sldId id="275" r:id="rId50"/>
+    <p:sldId id="319" r:id="rId29"/>
+    <p:sldId id="318" r:id="rId30"/>
+    <p:sldId id="320" r:id="rId31"/>
+    <p:sldId id="263" r:id="rId32"/>
+    <p:sldId id="287" r:id="rId33"/>
+    <p:sldId id="279" r:id="rId34"/>
+    <p:sldId id="288" r:id="rId35"/>
+    <p:sldId id="280" r:id="rId36"/>
+    <p:sldId id="281" r:id="rId37"/>
+    <p:sldId id="282" r:id="rId38"/>
+    <p:sldId id="276" r:id="rId39"/>
+    <p:sldId id="289" r:id="rId40"/>
+    <p:sldId id="272" r:id="rId41"/>
+    <p:sldId id="277" r:id="rId42"/>
+    <p:sldId id="290" r:id="rId43"/>
+    <p:sldId id="273" r:id="rId44"/>
+    <p:sldId id="278" r:id="rId45"/>
+    <p:sldId id="291" r:id="rId46"/>
+    <p:sldId id="274" r:id="rId47"/>
+    <p:sldId id="264" r:id="rId48"/>
+    <p:sldId id="292" r:id="rId49"/>
+    <p:sldId id="283" r:id="rId50"/>
+    <p:sldId id="284" r:id="rId51"/>
+    <p:sldId id="275" r:id="rId52"/>
   </p:sldIdLst>
   <p:sldSz cx="9144000" cy="6858000" type="screen4x3"/>
   <p:notesSz cx="6858000" cy="9144000"/>
@@ -198,7 +200,9 @@
             <p14:sldId id="315"/>
             <p14:sldId id="316"/>
             <p14:sldId id="313"/>
+            <p14:sldId id="319"/>
             <p14:sldId id="318"/>
+            <p14:sldId id="320"/>
           </p14:sldIdLst>
         </p14:section>
         <p14:section name="Deep Learning" id="{DF139C1C-B690-4FC7-9567-7D1F3BE7AF0E}">
@@ -325,7 +329,7 @@
           <a:p>
             <a:fld id="{DA0D2B9B-D109-4E57-BC60-F32EBF49D796}" type="datetimeFigureOut">
               <a:rPr lang="zh-TW" altLang="en-US" smtClean="0"/>
-              <a:t>2017/6/19</a:t>
+              <a:t>2017/6/26</a:t>
             </a:fld>
             <a:endParaRPr lang="zh-TW" altLang="en-US"/>
           </a:p>
@@ -495,7 +499,7 @@
           <a:p>
             <a:fld id="{1B206B1C-4E62-4096-B799-5232B6FB47FC}" type="datetimeFigureOut">
               <a:rPr lang="zh-TW" altLang="en-US" smtClean="0"/>
-              <a:t>2017/6/19</a:t>
+              <a:t>2017/6/26</a:t>
             </a:fld>
             <a:endParaRPr lang="zh-TW" altLang="en-US"/>
           </a:p>
@@ -1169,7 +1173,7 @@
           <a:p>
             <a:fld id="{BE701DC5-7ADB-45E6-A87A-564E789945C2}" type="datetime1">
               <a:rPr lang="en-US" altLang="zh-TW" smtClean="0"/>
-              <a:t>6/19/2017</a:t>
+              <a:t>6/26/2017</a:t>
             </a:fld>
             <a:endParaRPr lang="en-US" dirty="0"/>
           </a:p>
@@ -1354,7 +1358,7 @@
           <a:p>
             <a:fld id="{4BB08C5B-14B9-4884-B976-D9B4CE06C5B6}" type="datetime1">
               <a:rPr lang="en-US" altLang="zh-TW" smtClean="0"/>
-              <a:t>6/19/2017</a:t>
+              <a:t>6/26/2017</a:t>
             </a:fld>
             <a:endParaRPr lang="en-US" dirty="0"/>
           </a:p>
@@ -1538,7 +1542,7 @@
           <a:p>
             <a:fld id="{EECA5625-9430-43C1-A87F-03F70D01F850}" type="datetime1">
               <a:rPr lang="en-US" altLang="zh-TW" smtClean="0"/>
-              <a:t>6/19/2017</a:t>
+              <a:t>6/26/2017</a:t>
             </a:fld>
             <a:endParaRPr lang="en-US" dirty="0"/>
           </a:p>
@@ -1708,7 +1712,7 @@
           <a:p>
             <a:fld id="{75FD3851-2F4F-42A9-857A-354C85BAE3BE}" type="datetime1">
               <a:rPr lang="en-US" altLang="zh-TW" smtClean="0"/>
-              <a:t>6/19/2017</a:t>
+              <a:t>6/26/2017</a:t>
             </a:fld>
             <a:endParaRPr lang="en-US" dirty="0"/>
           </a:p>
@@ -2033,7 +2037,7 @@
           <a:p>
             <a:fld id="{CDE2621C-4A0F-4519-9812-E4CF38D33758}" type="datetime1">
               <a:rPr lang="en-US" altLang="zh-TW" smtClean="0"/>
-              <a:t>6/19/2017</a:t>
+              <a:t>6/26/2017</a:t>
             </a:fld>
             <a:endParaRPr lang="en-US" dirty="0"/>
           </a:p>
@@ -2432,7 +2436,7 @@
           <a:p>
             <a:fld id="{197CDFBA-6B86-4578-A260-06795F8E897D}" type="datetime1">
               <a:rPr lang="en-US" altLang="zh-TW" smtClean="0"/>
-              <a:t>6/19/2017</a:t>
+              <a:t>6/26/2017</a:t>
             </a:fld>
             <a:endParaRPr lang="en-US" dirty="0"/>
           </a:p>
@@ -2866,7 +2870,7 @@
           <a:p>
             <a:fld id="{9878A1A5-A821-4787-BFA0-01FA007EBB8D}" type="datetime1">
               <a:rPr lang="en-US" altLang="zh-TW" smtClean="0"/>
-              <a:t>6/19/2017</a:t>
+              <a:t>6/26/2017</a:t>
             </a:fld>
             <a:endParaRPr lang="en-US" dirty="0"/>
           </a:p>
@@ -2994,7 +2998,7 @@
           <a:p>
             <a:fld id="{33BAC5B5-DFDD-4265-9E0F-A787636D16C8}" type="datetime1">
               <a:rPr lang="en-US" altLang="zh-TW" smtClean="0"/>
-              <a:t>6/19/2017</a:t>
+              <a:t>6/26/2017</a:t>
             </a:fld>
             <a:endParaRPr lang="en-US" dirty="0"/>
           </a:p>
@@ -3099,7 +3103,7 @@
           <a:p>
             <a:fld id="{3A183566-6D5E-4866-A41B-5AF591858E4F}" type="datetime1">
               <a:rPr lang="en-US" altLang="zh-TW" smtClean="0"/>
-              <a:t>6/19/2017</a:t>
+              <a:t>6/26/2017</a:t>
             </a:fld>
             <a:endParaRPr lang="en-US" dirty="0"/>
           </a:p>
@@ -3540,7 +3544,7 @@
           <a:p>
             <a:fld id="{BA278F70-9DD9-4779-ACE6-13FA19BFB642}" type="datetime1">
               <a:rPr lang="en-US" altLang="zh-TW" smtClean="0"/>
-              <a:t>6/19/2017</a:t>
+              <a:t>6/26/2017</a:t>
             </a:fld>
             <a:endParaRPr lang="en-US" dirty="0"/>
           </a:p>
@@ -3967,7 +3971,7 @@
           <a:p>
             <a:fld id="{88B2CDF5-28F6-4B31-A3A7-DF88E9BD3C25}" type="datetime1">
               <a:rPr lang="en-US" altLang="zh-TW" smtClean="0"/>
-              <a:t>6/19/2017</a:t>
+              <a:t>6/26/2017</a:t>
             </a:fld>
             <a:endParaRPr lang="en-US" dirty="0"/>
           </a:p>
@@ -4252,7 +4256,7 @@
           <a:p>
             <a:fld id="{294A45D0-5584-4560-9032-413F75832CAA}" type="datetime1">
               <a:rPr lang="en-US" altLang="zh-TW" smtClean="0"/>
-              <a:t>6/19/2017</a:t>
+              <a:t>6/26/2017</a:t>
             </a:fld>
             <a:endParaRPr lang="en-US" dirty="0"/>
           </a:p>
@@ -5297,7 +5301,6 @@
               <a:rPr lang="en-US" altLang="zh-TW" dirty="0" smtClean="0"/>
               <a:t>Bot</a:t>
             </a:r>
-            <a:endParaRPr lang="en-US" altLang="zh-TW" dirty="0" smtClean="0"/>
           </a:p>
           <a:p>
             <a:pPr marL="0" indent="0">
@@ -5848,7 +5851,6 @@
               <a:rPr lang="en-US" altLang="zh-TW" dirty="0" smtClean="0"/>
               <a:t>Bot</a:t>
             </a:r>
-            <a:endParaRPr lang="en-US" altLang="zh-TW" dirty="0" smtClean="0"/>
           </a:p>
           <a:p>
             <a:pPr marL="0" indent="0">
@@ -6335,7 +6337,6 @@
               <a:rPr lang="en-US" altLang="zh-TW" dirty="0" smtClean="0"/>
               <a:t>Bot</a:t>
             </a:r>
-            <a:endParaRPr lang="en-US" altLang="zh-TW" dirty="0" smtClean="0"/>
           </a:p>
           <a:p>
             <a:pPr marL="0" indent="0">
@@ -6886,7 +6887,6 @@
               <a:rPr lang="en-US" altLang="zh-TW" dirty="0" smtClean="0"/>
               <a:t>Bot</a:t>
             </a:r>
-            <a:endParaRPr lang="en-US" altLang="zh-TW" dirty="0" smtClean="0"/>
           </a:p>
           <a:p>
             <a:pPr marL="0" indent="0">
@@ -7373,7 +7373,6 @@
               <a:rPr lang="en-US" altLang="zh-TW" dirty="0" smtClean="0"/>
               <a:t>Bot</a:t>
             </a:r>
-            <a:endParaRPr lang="en-US" altLang="zh-TW" dirty="0" smtClean="0"/>
           </a:p>
           <a:p>
             <a:pPr marL="0" indent="0">
@@ -7924,7 +7923,6 @@
               <a:rPr lang="en-US" altLang="zh-TW" dirty="0" smtClean="0"/>
               <a:t>Bot</a:t>
             </a:r>
-            <a:endParaRPr lang="en-US" altLang="zh-TW" dirty="0" smtClean="0"/>
           </a:p>
           <a:p>
             <a:pPr marL="0" indent="0">
@@ -8393,11 +8391,7 @@
           <a:p>
             <a:r>
               <a:rPr lang="zh-TW" altLang="en-US" sz="2800" dirty="0" smtClean="0"/>
-              <a:t> 發動</a:t>
-            </a:r>
-            <a:r>
-              <a:rPr lang="zh-TW" altLang="en-US" sz="2800" dirty="0" smtClean="0"/>
-              <a:t>攻擊時</a:t>
+              <a:t> 發動攻擊時</a:t>
             </a:r>
             <a:endParaRPr lang="zh-TW" altLang="en-US" sz="2800" dirty="0"/>
           </a:p>
@@ -9179,11 +9173,7 @@
           <a:p>
             <a:r>
               <a:rPr lang="zh-TW" altLang="en-US" sz="2800" dirty="0" smtClean="0"/>
-              <a:t> 發動</a:t>
-            </a:r>
-            <a:r>
-              <a:rPr lang="zh-TW" altLang="en-US" sz="2800" dirty="0" smtClean="0"/>
-              <a:t>攻擊時</a:t>
+              <a:t> 發動攻擊時</a:t>
             </a:r>
             <a:endParaRPr lang="zh-TW" altLang="en-US" sz="2800" dirty="0"/>
           </a:p>
@@ -9729,11 +9719,7 @@
           <a:p>
             <a:r>
               <a:rPr lang="zh-TW" altLang="en-US" sz="2800" dirty="0" smtClean="0"/>
-              <a:t> 發動</a:t>
-            </a:r>
-            <a:r>
-              <a:rPr lang="zh-TW" altLang="en-US" sz="2800" dirty="0" smtClean="0"/>
-              <a:t>攻擊時</a:t>
+              <a:t> 發動攻擊時</a:t>
             </a:r>
             <a:endParaRPr lang="zh-TW" altLang="en-US" sz="2800" dirty="0"/>
           </a:p>
@@ -10343,11 +10329,7 @@
           <a:p>
             <a:r>
               <a:rPr lang="zh-TW" altLang="en-US" sz="2800" dirty="0" smtClean="0"/>
-              <a:t> 發動</a:t>
-            </a:r>
-            <a:r>
-              <a:rPr lang="zh-TW" altLang="en-US" sz="2800" dirty="0" smtClean="0"/>
-              <a:t>攻擊時</a:t>
+              <a:t> 發動攻擊時</a:t>
             </a:r>
             <a:endParaRPr lang="zh-TW" altLang="en-US" sz="2800" dirty="0"/>
           </a:p>
@@ -11135,11 +11117,7 @@
           <a:p>
             <a:r>
               <a:rPr lang="zh-TW" altLang="en-US" sz="2800" dirty="0" smtClean="0"/>
-              <a:t> 發動</a:t>
-            </a:r>
-            <a:r>
-              <a:rPr lang="zh-TW" altLang="en-US" sz="2800" dirty="0" smtClean="0"/>
-              <a:t>攻擊時</a:t>
+              <a:t> 發動攻擊時</a:t>
             </a:r>
             <a:endParaRPr lang="zh-TW" altLang="en-US" sz="2800" dirty="0"/>
           </a:p>
@@ -11749,11 +11727,7 @@
           <a:p>
             <a:r>
               <a:rPr lang="zh-TW" altLang="en-US" sz="2800" dirty="0" smtClean="0"/>
-              <a:t> 發動</a:t>
-            </a:r>
-            <a:r>
-              <a:rPr lang="zh-TW" altLang="en-US" sz="2800" dirty="0" smtClean="0"/>
-              <a:t>攻擊時</a:t>
+              <a:t> 發動攻擊時</a:t>
             </a:r>
             <a:endParaRPr lang="zh-TW" altLang="en-US" sz="2800" dirty="0"/>
           </a:p>
@@ -12299,11 +12273,7 @@
           <a:p>
             <a:r>
               <a:rPr lang="zh-TW" altLang="en-US" sz="2800" dirty="0" smtClean="0"/>
-              <a:t> 發動</a:t>
-            </a:r>
-            <a:r>
-              <a:rPr lang="zh-TW" altLang="en-US" sz="2800" dirty="0" smtClean="0"/>
-              <a:t>攻擊時</a:t>
+              <a:t> 發動攻擊時</a:t>
             </a:r>
             <a:endParaRPr lang="zh-TW" altLang="en-US" sz="2800" dirty="0"/>
           </a:p>
@@ -12913,11 +12883,7 @@
           <a:p>
             <a:r>
               <a:rPr lang="zh-TW" altLang="en-US" sz="2800" dirty="0" smtClean="0"/>
-              <a:t> 發動</a:t>
-            </a:r>
-            <a:r>
-              <a:rPr lang="zh-TW" altLang="en-US" sz="2800" dirty="0" smtClean="0"/>
-              <a:t>攻擊時</a:t>
+              <a:t> 發動攻擊時</a:t>
             </a:r>
             <a:endParaRPr lang="zh-TW" altLang="en-US" sz="2800" dirty="0"/>
           </a:p>
@@ -13609,11 +13575,7 @@
           <a:p>
             <a:r>
               <a:rPr lang="zh-TW" altLang="en-US" sz="2800" dirty="0" smtClean="0"/>
-              <a:t> 發動</a:t>
-            </a:r>
-            <a:r>
-              <a:rPr lang="zh-TW" altLang="en-US" sz="2800" dirty="0" smtClean="0"/>
-              <a:t>攻擊時</a:t>
+              <a:t> 發動攻擊時</a:t>
             </a:r>
             <a:endParaRPr lang="zh-TW" altLang="en-US" sz="2800" dirty="0"/>
           </a:p>
@@ -14481,7 +14443,7 @@
       </p:grpSpPr>
       <p:sp>
         <p:nvSpPr>
-          <p:cNvPr id="7" name="標題 6"/>
+          <p:cNvPr id="5" name="標題 4"/>
           <p:cNvSpPr>
             <a:spLocks noGrp="1"/>
           </p:cNvSpPr>
@@ -14491,8 +14453,8 @@
         </p:nvSpPr>
         <p:spPr>
           <a:xfrm>
-            <a:off x="1625346" y="1225296"/>
-            <a:ext cx="7004304" cy="3520440"/>
+            <a:off x="685800" y="354003"/>
+            <a:ext cx="7772400" cy="1229868"/>
           </a:xfrm>
         </p:spPr>
         <p:txBody>
@@ -14500,33 +14462,38 @@
           <a:lstStyle/>
           <a:p>
             <a:r>
-              <a:rPr lang="en-US" altLang="zh-TW" sz="6600" cap="none" dirty="0"/>
-              <a:t>Purpose</a:t>
-            </a:r>
-          </a:p>
-        </p:txBody>
-      </p:sp>
-      <p:sp>
-        <p:nvSpPr>
-          <p:cNvPr id="8" name="文字版面配置區 7"/>
+              <a:rPr lang="en-US" altLang="zh-TW" dirty="0"/>
+              <a:t>Literature Review</a:t>
+            </a:r>
+            <a:endParaRPr lang="zh-TW" altLang="en-US" dirty="0"/>
+          </a:p>
+        </p:txBody>
+      </p:sp>
+      <p:sp>
+        <p:nvSpPr>
+          <p:cNvPr id="6" name="內容版面配置區 5"/>
           <p:cNvSpPr>
             <a:spLocks noGrp="1"/>
           </p:cNvSpPr>
           <p:nvPr>
-            <p:ph type="body" idx="1"/>
+            <p:ph idx="1"/>
           </p:nvPr>
         </p:nvSpPr>
-        <p:spPr/>
-        <p:txBody>
-          <a:bodyPr>
-            <a:normAutofit/>
-          </a:bodyPr>
-          <a:lstStyle/>
-          <a:p>
-            <a:r>
-              <a:rPr lang="en-US" altLang="zh-TW" sz="3200" dirty="0"/>
-              <a:t>Introduction</a:t>
-            </a:r>
+        <p:spPr>
+          <a:xfrm>
+            <a:off x="685800" y="1641021"/>
+            <a:ext cx="7772400" cy="4996889"/>
+          </a:xfrm>
+        </p:spPr>
+        <p:txBody>
+          <a:bodyPr/>
+          <a:lstStyle/>
+          <a:p>
+            <a:r>
+              <a:rPr lang="zh-TW" altLang="en-US" smtClean="0"/>
+              <a:t>現有的許多論文</a:t>
+            </a:r>
+            <a:endParaRPr lang="zh-TW" altLang="en-US" dirty="0"/>
           </a:p>
         </p:txBody>
       </p:sp>
@@ -14547,6 +14514,7 @@
           <a:p>
             <a:fld id="{4FAB73BC-B049-4115-A692-8D63A059BFB8}" type="slidenum">
               <a:rPr lang="en-US" smtClean="0"/>
+              <a:pPr/>
               <a:t>28</a:t>
             </a:fld>
             <a:endParaRPr lang="en-US" dirty="0"/>
@@ -14556,7 +14524,7 @@
     </p:spTree>
     <p:extLst>
       <p:ext uri="{BB962C8B-B14F-4D97-AF65-F5344CB8AC3E}">
-        <p14:creationId xmlns:p14="http://schemas.microsoft.com/office/powerpoint/2010/main" val="1111000164"/>
+        <p14:creationId xmlns:p14="http://schemas.microsoft.com/office/powerpoint/2010/main" val="2181732384"/>
       </p:ext>
     </p:extLst>
   </p:cSld>
@@ -14600,16 +14568,20 @@
             <p:ph type="title"/>
           </p:nvPr>
         </p:nvSpPr>
-        <p:spPr/>
+        <p:spPr>
+          <a:xfrm>
+            <a:off x="1625346" y="1225296"/>
+            <a:ext cx="7004304" cy="3520440"/>
+          </a:xfrm>
+        </p:spPr>
         <p:txBody>
           <a:bodyPr/>
           <a:lstStyle/>
           <a:p>
             <a:r>
-              <a:rPr lang="en-US" altLang="zh-TW" sz="6600" cap="none" dirty="0" smtClean="0"/>
-              <a:t>Neural Network</a:t>
-            </a:r>
-            <a:endParaRPr lang="zh-TW" altLang="en-US" cap="none" dirty="0"/>
+              <a:rPr lang="en-US" altLang="zh-TW" sz="6600" cap="none" dirty="0"/>
+              <a:t>Purpose</a:t>
+            </a:r>
           </a:p>
         </p:txBody>
       </p:sp>
@@ -14631,8 +14603,8 @@
           <a:lstStyle/>
           <a:p>
             <a:r>
-              <a:rPr lang="en-US" altLang="zh-TW" sz="3200" dirty="0" smtClean="0"/>
-              <a:t>Deep Learning</a:t>
+              <a:rPr lang="en-US" altLang="zh-TW" sz="3200" dirty="0"/>
+              <a:t>Introduction</a:t>
             </a:r>
           </a:p>
         </p:txBody>
@@ -14663,7 +14635,7 @@
     </p:spTree>
     <p:extLst>
       <p:ext uri="{BB962C8B-B14F-4D97-AF65-F5344CB8AC3E}">
-        <p14:creationId xmlns:p14="http://schemas.microsoft.com/office/powerpoint/2010/main" val="1037424160"/>
+        <p14:creationId xmlns:p14="http://schemas.microsoft.com/office/powerpoint/2010/main" val="1111000164"/>
       </p:ext>
     </p:extLst>
   </p:cSld>
@@ -14929,7 +14901,7 @@
     </p:spTree>
     <p:extLst>
       <p:ext uri="{BB962C8B-B14F-4D97-AF65-F5344CB8AC3E}">
-        <p14:creationId xmlns:p14="http://schemas.microsoft.com/office/powerpoint/2010/main" val="2293567342"/>
+        <p14:creationId xmlns:p14="http://schemas.microsoft.com/office/powerpoint/2010/main" val="3043595946"/>
       </p:ext>
     </p:extLst>
   </p:cSld>
@@ -14979,9 +14951,10 @@
           <a:lstStyle/>
           <a:p>
             <a:r>
-              <a:rPr lang="en-US" altLang="zh-TW" sz="6600" cap="none" dirty="0"/>
-              <a:t>Auto-Encoder</a:t>
-            </a:r>
+              <a:rPr lang="en-US" altLang="zh-TW" sz="6600" cap="none" dirty="0" smtClean="0"/>
+              <a:t>Neural Network</a:t>
+            </a:r>
+            <a:endParaRPr lang="zh-TW" altLang="en-US" cap="none" dirty="0"/>
           </a:p>
         </p:txBody>
       </p:sp>
@@ -15035,7 +15008,7 @@
     </p:spTree>
     <p:extLst>
       <p:ext uri="{BB962C8B-B14F-4D97-AF65-F5344CB8AC3E}">
-        <p14:creationId xmlns:p14="http://schemas.microsoft.com/office/powerpoint/2010/main" val="3277746343"/>
+        <p14:creationId xmlns:p14="http://schemas.microsoft.com/office/powerpoint/2010/main" val="1037424160"/>
       </p:ext>
     </p:extLst>
   </p:cSld>
@@ -15144,7 +15117,7 @@
     </p:spTree>
     <p:extLst>
       <p:ext uri="{BB962C8B-B14F-4D97-AF65-F5344CB8AC3E}">
-        <p14:creationId xmlns:p14="http://schemas.microsoft.com/office/powerpoint/2010/main" val="2919093567"/>
+        <p14:creationId xmlns:p14="http://schemas.microsoft.com/office/powerpoint/2010/main" val="2293567342"/>
       </p:ext>
     </p:extLst>
   </p:cSld>
@@ -15180,6 +15153,112 @@
       </p:grpSpPr>
       <p:sp>
         <p:nvSpPr>
+          <p:cNvPr id="7" name="標題 6"/>
+          <p:cNvSpPr>
+            <a:spLocks noGrp="1"/>
+          </p:cNvSpPr>
+          <p:nvPr>
+            <p:ph type="title"/>
+          </p:nvPr>
+        </p:nvSpPr>
+        <p:spPr/>
+        <p:txBody>
+          <a:bodyPr/>
+          <a:lstStyle/>
+          <a:p>
+            <a:r>
+              <a:rPr lang="en-US" altLang="zh-TW" sz="6600" cap="none" dirty="0"/>
+              <a:t>Auto-Encoder</a:t>
+            </a:r>
+          </a:p>
+        </p:txBody>
+      </p:sp>
+      <p:sp>
+        <p:nvSpPr>
+          <p:cNvPr id="8" name="文字版面配置區 7"/>
+          <p:cNvSpPr>
+            <a:spLocks noGrp="1"/>
+          </p:cNvSpPr>
+          <p:nvPr>
+            <p:ph type="body" idx="1"/>
+          </p:nvPr>
+        </p:nvSpPr>
+        <p:spPr/>
+        <p:txBody>
+          <a:bodyPr>
+            <a:normAutofit/>
+          </a:bodyPr>
+          <a:lstStyle/>
+          <a:p>
+            <a:r>
+              <a:rPr lang="en-US" altLang="zh-TW" sz="3200" dirty="0" smtClean="0"/>
+              <a:t>Deep Learning</a:t>
+            </a:r>
+          </a:p>
+        </p:txBody>
+      </p:sp>
+      <p:sp>
+        <p:nvSpPr>
+          <p:cNvPr id="4" name="投影片編號版面配置區 3"/>
+          <p:cNvSpPr>
+            <a:spLocks noGrp="1"/>
+          </p:cNvSpPr>
+          <p:nvPr>
+            <p:ph type="sldNum" sz="quarter" idx="12"/>
+          </p:nvPr>
+        </p:nvSpPr>
+        <p:spPr/>
+        <p:txBody>
+          <a:bodyPr/>
+          <a:lstStyle/>
+          <a:p>
+            <a:fld id="{4FAB73BC-B049-4115-A692-8D63A059BFB8}" type="slidenum">
+              <a:rPr lang="en-US" smtClean="0"/>
+              <a:t>33</a:t>
+            </a:fld>
+            <a:endParaRPr lang="en-US" dirty="0"/>
+          </a:p>
+        </p:txBody>
+      </p:sp>
+    </p:spTree>
+    <p:extLst>
+      <p:ext uri="{BB962C8B-B14F-4D97-AF65-F5344CB8AC3E}">
+        <p14:creationId xmlns:p14="http://schemas.microsoft.com/office/powerpoint/2010/main" val="3277746343"/>
+      </p:ext>
+    </p:extLst>
+  </p:cSld>
+  <p:clrMapOvr>
+    <a:masterClrMapping/>
+  </p:clrMapOvr>
+  <p:timing>
+    <p:tnLst>
+      <p:par>
+        <p:cTn id="1" dur="indefinite" restart="never" nodeType="tmRoot"/>
+      </p:par>
+    </p:tnLst>
+  </p:timing>
+</p:sld>
+</file>
+
+<file path=ppt/slides/slide34.xml><?xml version="1.0" encoding="utf-8"?>
+<p:sld xmlns:a="http://schemas.openxmlformats.org/drawingml/2006/main" xmlns:r="http://schemas.openxmlformats.org/officeDocument/2006/relationships" xmlns:p="http://schemas.openxmlformats.org/presentationml/2006/main">
+  <p:cSld>
+    <p:spTree>
+      <p:nvGrpSpPr>
+        <p:cNvPr id="1" name=""/>
+        <p:cNvGrpSpPr/>
+        <p:nvPr/>
+      </p:nvGrpSpPr>
+      <p:grpSpPr>
+        <a:xfrm>
+          <a:off x="0" y="0"/>
+          <a:ext cx="0" cy="0"/>
+          <a:chOff x="0" y="0"/>
+          <a:chExt cx="0" cy="0"/>
+        </a:xfrm>
+      </p:grpSpPr>
+      <p:sp>
+        <p:nvSpPr>
           <p:cNvPr id="5" name="標題 4"/>
           <p:cNvSpPr>
             <a:spLocks noGrp="1"/>
@@ -15188,15 +15267,16 @@
             <p:ph type="title"/>
           </p:nvPr>
         </p:nvSpPr>
-        <p:spPr/>
+        <p:spPr>
+          <a:xfrm>
+            <a:off x="685800" y="354003"/>
+            <a:ext cx="7772400" cy="1229868"/>
+          </a:xfrm>
+        </p:spPr>
         <p:txBody>
           <a:bodyPr/>
           <a:lstStyle/>
           <a:p>
-            <a:r>
-              <a:rPr lang="en-US" altLang="zh-TW" dirty="0"/>
-              <a:t>Auto-Encoder</a:t>
-            </a:r>
             <a:endParaRPr lang="zh-TW" altLang="en-US" dirty="0"/>
           </a:p>
         </p:txBody>
@@ -15211,7 +15291,12 @@
             <p:ph idx="1"/>
           </p:nvPr>
         </p:nvSpPr>
-        <p:spPr/>
+        <p:spPr>
+          <a:xfrm>
+            <a:off x="685800" y="1641021"/>
+            <a:ext cx="7772400" cy="4996889"/>
+          </a:xfrm>
+        </p:spPr>
         <p:txBody>
           <a:bodyPr/>
           <a:lstStyle/>
@@ -15238,7 +15323,110 @@
             <a:fld id="{4FAB73BC-B049-4115-A692-8D63A059BFB8}" type="slidenum">
               <a:rPr lang="en-US" smtClean="0"/>
               <a:pPr/>
-              <a:t>33</a:t>
+              <a:t>34</a:t>
+            </a:fld>
+            <a:endParaRPr lang="en-US" dirty="0"/>
+          </a:p>
+        </p:txBody>
+      </p:sp>
+    </p:spTree>
+    <p:extLst>
+      <p:ext uri="{BB962C8B-B14F-4D97-AF65-F5344CB8AC3E}">
+        <p14:creationId xmlns:p14="http://schemas.microsoft.com/office/powerpoint/2010/main" val="2919093567"/>
+      </p:ext>
+    </p:extLst>
+  </p:cSld>
+  <p:clrMapOvr>
+    <a:masterClrMapping/>
+  </p:clrMapOvr>
+  <p:timing>
+    <p:tnLst>
+      <p:par>
+        <p:cTn id="1" dur="indefinite" restart="never" nodeType="tmRoot"/>
+      </p:par>
+    </p:tnLst>
+  </p:timing>
+</p:sld>
+</file>
+
+<file path=ppt/slides/slide35.xml><?xml version="1.0" encoding="utf-8"?>
+<p:sld xmlns:a="http://schemas.openxmlformats.org/drawingml/2006/main" xmlns:r="http://schemas.openxmlformats.org/officeDocument/2006/relationships" xmlns:p="http://schemas.openxmlformats.org/presentationml/2006/main">
+  <p:cSld>
+    <p:spTree>
+      <p:nvGrpSpPr>
+        <p:cNvPr id="1" name=""/>
+        <p:cNvGrpSpPr/>
+        <p:nvPr/>
+      </p:nvGrpSpPr>
+      <p:grpSpPr>
+        <a:xfrm>
+          <a:off x="0" y="0"/>
+          <a:ext cx="0" cy="0"/>
+          <a:chOff x="0" y="0"/>
+          <a:chExt cx="0" cy="0"/>
+        </a:xfrm>
+      </p:grpSpPr>
+      <p:sp>
+        <p:nvSpPr>
+          <p:cNvPr id="5" name="標題 4"/>
+          <p:cNvSpPr>
+            <a:spLocks noGrp="1"/>
+          </p:cNvSpPr>
+          <p:nvPr>
+            <p:ph type="title"/>
+          </p:nvPr>
+        </p:nvSpPr>
+        <p:spPr/>
+        <p:txBody>
+          <a:bodyPr/>
+          <a:lstStyle/>
+          <a:p>
+            <a:r>
+              <a:rPr lang="en-US" altLang="zh-TW" dirty="0"/>
+              <a:t>Auto-Encoder</a:t>
+            </a:r>
+            <a:endParaRPr lang="zh-TW" altLang="en-US" dirty="0"/>
+          </a:p>
+        </p:txBody>
+      </p:sp>
+      <p:sp>
+        <p:nvSpPr>
+          <p:cNvPr id="6" name="內容版面配置區 5"/>
+          <p:cNvSpPr>
+            <a:spLocks noGrp="1"/>
+          </p:cNvSpPr>
+          <p:nvPr>
+            <p:ph idx="1"/>
+          </p:nvPr>
+        </p:nvSpPr>
+        <p:spPr/>
+        <p:txBody>
+          <a:bodyPr/>
+          <a:lstStyle/>
+          <a:p>
+            <a:endParaRPr lang="zh-TW" altLang="en-US"/>
+          </a:p>
+        </p:txBody>
+      </p:sp>
+      <p:sp>
+        <p:nvSpPr>
+          <p:cNvPr id="4" name="投影片編號版面配置區 3"/>
+          <p:cNvSpPr>
+            <a:spLocks noGrp="1"/>
+          </p:cNvSpPr>
+          <p:nvPr>
+            <p:ph type="sldNum" sz="quarter" idx="12"/>
+          </p:nvPr>
+        </p:nvSpPr>
+        <p:spPr/>
+        <p:txBody>
+          <a:bodyPr/>
+          <a:lstStyle/>
+          <a:p>
+            <a:fld id="{4FAB73BC-B049-4115-A692-8D63A059BFB8}" type="slidenum">
+              <a:rPr lang="en-US" smtClean="0"/>
+              <a:pPr/>
+              <a:t>35</a:t>
             </a:fld>
             <a:endParaRPr lang="en-US" dirty="0"/>
           </a:p>
@@ -17029,7 +17217,7 @@
 </p:sld>
 </file>
 
-<file path=ppt/slides/slide34.xml><?xml version="1.0" encoding="utf-8"?>
+<file path=ppt/slides/slide36.xml><?xml version="1.0" encoding="utf-8"?>
 <p:sld xmlns:a="http://schemas.openxmlformats.org/drawingml/2006/main" xmlns:r="http://schemas.openxmlformats.org/officeDocument/2006/relationships" xmlns:p="http://schemas.openxmlformats.org/presentationml/2006/main">
   <p:cSld>
     <p:spTree>
@@ -17087,7 +17275,7 @@
             <a:fld id="{4FAB73BC-B049-4115-A692-8D63A059BFB8}" type="slidenum">
               <a:rPr lang="en-US" smtClean="0"/>
               <a:pPr/>
-              <a:t>34</a:t>
+              <a:t>36</a:t>
             </a:fld>
             <a:endParaRPr lang="en-US" dirty="0"/>
           </a:p>
@@ -19406,283 +19594,6 @@
 </p:sld>
 </file>
 
-<file path=ppt/slides/slide35.xml><?xml version="1.0" encoding="utf-8"?>
-<p:sld xmlns:a="http://schemas.openxmlformats.org/drawingml/2006/main" xmlns:r="http://schemas.openxmlformats.org/officeDocument/2006/relationships" xmlns:p="http://schemas.openxmlformats.org/presentationml/2006/main">
-  <p:cSld>
-    <p:spTree>
-      <p:nvGrpSpPr>
-        <p:cNvPr id="1" name=""/>
-        <p:cNvGrpSpPr/>
-        <p:nvPr/>
-      </p:nvGrpSpPr>
-      <p:grpSpPr>
-        <a:xfrm>
-          <a:off x="0" y="0"/>
-          <a:ext cx="0" cy="0"/>
-          <a:chOff x="0" y="0"/>
-          <a:chExt cx="0" cy="0"/>
-        </a:xfrm>
-      </p:grpSpPr>
-      <p:sp>
-        <p:nvSpPr>
-          <p:cNvPr id="5" name="標題 4"/>
-          <p:cNvSpPr>
-            <a:spLocks noGrp="1"/>
-          </p:cNvSpPr>
-          <p:nvPr>
-            <p:ph type="title"/>
-          </p:nvPr>
-        </p:nvSpPr>
-        <p:spPr/>
-        <p:txBody>
-          <a:bodyPr/>
-          <a:lstStyle/>
-          <a:p>
-            <a:r>
-              <a:rPr lang="en-US" altLang="zh-TW" dirty="0"/>
-              <a:t>Auto-Encoder</a:t>
-            </a:r>
-            <a:endParaRPr lang="zh-TW" altLang="en-US" dirty="0"/>
-          </a:p>
-        </p:txBody>
-      </p:sp>
-      <p:sp>
-        <p:nvSpPr>
-          <p:cNvPr id="6" name="內容版面配置區 5"/>
-          <p:cNvSpPr>
-            <a:spLocks noGrp="1"/>
-          </p:cNvSpPr>
-          <p:nvPr>
-            <p:ph idx="1"/>
-          </p:nvPr>
-        </p:nvSpPr>
-        <p:spPr/>
-        <p:txBody>
-          <a:bodyPr/>
-          <a:lstStyle/>
-          <a:p>
-            <a:endParaRPr lang="zh-TW" altLang="en-US"/>
-          </a:p>
-        </p:txBody>
-      </p:sp>
-      <p:pic>
-        <p:nvPicPr>
-          <p:cNvPr id="25" name="圖片 24"/>
-          <p:cNvPicPr>
-            <a:picLocks noChangeAspect="1"/>
-          </p:cNvPicPr>
-          <p:nvPr/>
-        </p:nvPicPr>
-        <p:blipFill>
-          <a:blip r:embed="rId2"/>
-          <a:stretch>
-            <a:fillRect/>
-          </a:stretch>
-        </p:blipFill>
-        <p:spPr>
-          <a:xfrm>
-            <a:off x="2691639" y="1741368"/>
-            <a:ext cx="4351828" cy="4430832"/>
-          </a:xfrm>
-          <a:prstGeom prst="rect">
-            <a:avLst/>
-          </a:prstGeom>
-        </p:spPr>
-      </p:pic>
-      <p:sp>
-        <p:nvSpPr>
-          <p:cNvPr id="26" name="文字方塊 25"/>
-          <p:cNvSpPr txBox="1"/>
-          <p:nvPr/>
-        </p:nvSpPr>
-        <p:spPr>
-          <a:xfrm>
-            <a:off x="685800" y="6182981"/>
-            <a:ext cx="7772400" cy="646331"/>
-          </a:xfrm>
-          <a:prstGeom prst="rect">
-            <a:avLst/>
-          </a:prstGeom>
-          <a:noFill/>
-        </p:spPr>
-        <p:txBody>
-          <a:bodyPr wrap="square" rtlCol="0">
-            <a:spAutoFit/>
-          </a:bodyPr>
-          <a:lstStyle/>
-          <a:p>
-            <a:r>
-              <a:rPr lang="en-US" altLang="zh-TW" sz="1200" dirty="0"/>
-              <a:t>From Hung-</a:t>
-            </a:r>
-            <a:r>
-              <a:rPr lang="en-US" altLang="zh-TW" sz="1200" dirty="0" err="1"/>
-              <a:t>yi</a:t>
-            </a:r>
-            <a:r>
-              <a:rPr lang="en-US" altLang="zh-TW" sz="1200" dirty="0"/>
-              <a:t> </a:t>
-            </a:r>
-            <a:r>
-              <a:rPr lang="en-US" altLang="zh-TW" sz="1200" dirty="0" smtClean="0"/>
-              <a:t>Lee</a:t>
-            </a:r>
-            <a:r>
-              <a:rPr lang="en-US" altLang="zh-TW" sz="1200" dirty="0"/>
-              <a:t>, </a:t>
-            </a:r>
-            <a:r>
-              <a:rPr lang="en-US" altLang="zh-TW" sz="1200" dirty="0" smtClean="0"/>
-              <a:t>“</a:t>
-            </a:r>
-            <a:r>
-              <a:rPr lang="en-US" altLang="zh-TW" sz="1200" dirty="0"/>
-              <a:t>Generative Adversarial Network/Basic Idea/Machine Learning and having it deep and structured (2017,Spring)”</a:t>
-            </a:r>
-          </a:p>
-          <a:p>
-            <a:r>
-              <a:rPr lang="en-US" altLang="zh-TW" sz="1200" dirty="0"/>
-              <a:t>http://speech.ee.ntu.edu.tw/~tlkagk/courses_MLDS17.html</a:t>
-            </a:r>
-            <a:endParaRPr lang="zh-TW" altLang="en-US" sz="1200" dirty="0"/>
-          </a:p>
-        </p:txBody>
-      </p:sp>
-    </p:spTree>
-    <p:extLst>
-      <p:ext uri="{BB962C8B-B14F-4D97-AF65-F5344CB8AC3E}">
-        <p14:creationId xmlns:p14="http://schemas.microsoft.com/office/powerpoint/2010/main" val="2718027596"/>
-      </p:ext>
-    </p:extLst>
-  </p:cSld>
-  <p:clrMapOvr>
-    <a:masterClrMapping/>
-  </p:clrMapOvr>
-  <p:timing>
-    <p:tnLst>
-      <p:par>
-        <p:cTn id="1" dur="indefinite" restart="never" nodeType="tmRoot"/>
-      </p:par>
-    </p:tnLst>
-  </p:timing>
-</p:sld>
-</file>
-
-<file path=ppt/slides/slide36.xml><?xml version="1.0" encoding="utf-8"?>
-<p:sld xmlns:a="http://schemas.openxmlformats.org/drawingml/2006/main" xmlns:r="http://schemas.openxmlformats.org/officeDocument/2006/relationships" xmlns:p="http://schemas.openxmlformats.org/presentationml/2006/main">
-  <p:cSld>
-    <p:spTree>
-      <p:nvGrpSpPr>
-        <p:cNvPr id="1" name=""/>
-        <p:cNvGrpSpPr/>
-        <p:nvPr/>
-      </p:nvGrpSpPr>
-      <p:grpSpPr>
-        <a:xfrm>
-          <a:off x="0" y="0"/>
-          <a:ext cx="0" cy="0"/>
-          <a:chOff x="0" y="0"/>
-          <a:chExt cx="0" cy="0"/>
-        </a:xfrm>
-      </p:grpSpPr>
-      <p:sp>
-        <p:nvSpPr>
-          <p:cNvPr id="7" name="標題 6"/>
-          <p:cNvSpPr>
-            <a:spLocks noGrp="1"/>
-          </p:cNvSpPr>
-          <p:nvPr>
-            <p:ph type="title"/>
-          </p:nvPr>
-        </p:nvSpPr>
-        <p:spPr/>
-        <p:txBody>
-          <a:bodyPr/>
-          <a:lstStyle/>
-          <a:p>
-            <a:r>
-              <a:rPr lang="en-US" altLang="zh-TW" sz="6600" cap="none" dirty="0" smtClean="0"/>
-              <a:t>Generative Adversarial Networks</a:t>
-            </a:r>
-            <a:br>
-              <a:rPr lang="en-US" altLang="zh-TW" sz="6600" cap="none" dirty="0" smtClean="0"/>
-            </a:br>
-            <a:r>
-              <a:rPr lang="en-US" altLang="zh-TW" sz="6600" cap="none" dirty="0" smtClean="0"/>
-              <a:t>(GAN)</a:t>
-            </a:r>
-            <a:endParaRPr lang="en-US" altLang="zh-TW" sz="6600" cap="none" dirty="0"/>
-          </a:p>
-        </p:txBody>
-      </p:sp>
-      <p:sp>
-        <p:nvSpPr>
-          <p:cNvPr id="8" name="文字版面配置區 7"/>
-          <p:cNvSpPr>
-            <a:spLocks noGrp="1"/>
-          </p:cNvSpPr>
-          <p:nvPr>
-            <p:ph type="body" idx="1"/>
-          </p:nvPr>
-        </p:nvSpPr>
-        <p:spPr/>
-        <p:txBody>
-          <a:bodyPr>
-            <a:normAutofit/>
-          </a:bodyPr>
-          <a:lstStyle/>
-          <a:p>
-            <a:r>
-              <a:rPr lang="en-US" altLang="zh-TW" sz="3200" dirty="0" smtClean="0"/>
-              <a:t>Deep Learning</a:t>
-            </a:r>
-          </a:p>
-        </p:txBody>
-      </p:sp>
-      <p:sp>
-        <p:nvSpPr>
-          <p:cNvPr id="4" name="投影片編號版面配置區 3"/>
-          <p:cNvSpPr>
-            <a:spLocks noGrp="1"/>
-          </p:cNvSpPr>
-          <p:nvPr>
-            <p:ph type="sldNum" sz="quarter" idx="12"/>
-          </p:nvPr>
-        </p:nvSpPr>
-        <p:spPr/>
-        <p:txBody>
-          <a:bodyPr/>
-          <a:lstStyle/>
-          <a:p>
-            <a:fld id="{4FAB73BC-B049-4115-A692-8D63A059BFB8}" type="slidenum">
-              <a:rPr lang="en-US" smtClean="0"/>
-              <a:t>36</a:t>
-            </a:fld>
-            <a:endParaRPr lang="en-US" dirty="0"/>
-          </a:p>
-        </p:txBody>
-      </p:sp>
-    </p:spTree>
-    <p:extLst>
-      <p:ext uri="{BB962C8B-B14F-4D97-AF65-F5344CB8AC3E}">
-        <p14:creationId xmlns:p14="http://schemas.microsoft.com/office/powerpoint/2010/main" val="151502483"/>
-      </p:ext>
-    </p:extLst>
-  </p:cSld>
-  <p:clrMapOvr>
-    <a:masterClrMapping/>
-  </p:clrMapOvr>
-  <p:timing>
-    <p:tnLst>
-      <p:par>
-        <p:cTn id="1" dur="indefinite" restart="never" nodeType="tmRoot"/>
-      </p:par>
-    </p:tnLst>
-  </p:timing>
-</p:sld>
-</file>
-
 <file path=ppt/slides/slide37.xml><?xml version="1.0" encoding="utf-8"?>
 <p:sld xmlns:a="http://schemas.openxmlformats.org/drawingml/2006/main" xmlns:r="http://schemas.openxmlformats.org/officeDocument/2006/relationships" xmlns:p="http://schemas.openxmlformats.org/presentationml/2006/main">
   <p:cSld>
@@ -19710,16 +19621,15 @@
             <p:ph type="title"/>
           </p:nvPr>
         </p:nvSpPr>
-        <p:spPr>
-          <a:xfrm>
-            <a:off x="685800" y="354003"/>
-            <a:ext cx="7772400" cy="1229868"/>
-          </a:xfrm>
-        </p:spPr>
+        <p:spPr/>
         <p:txBody>
           <a:bodyPr/>
           <a:lstStyle/>
           <a:p>
+            <a:r>
+              <a:rPr lang="en-US" altLang="zh-TW" dirty="0"/>
+              <a:t>Auto-Encoder</a:t>
+            </a:r>
             <a:endParaRPr lang="zh-TW" altLang="en-US" dirty="0"/>
           </a:p>
         </p:txBody>
@@ -19734,12 +19644,7 @@
             <p:ph idx="1"/>
           </p:nvPr>
         </p:nvSpPr>
-        <p:spPr>
-          <a:xfrm>
-            <a:off x="685800" y="1641021"/>
-            <a:ext cx="7772400" cy="4996889"/>
-          </a:xfrm>
-        </p:spPr>
+        <p:spPr/>
         <p:txBody>
           <a:bodyPr/>
           <a:lstStyle/>
@@ -19748,34 +19653,94 @@
           </a:p>
         </p:txBody>
       </p:sp>
-      <p:sp>
-        <p:nvSpPr>
-          <p:cNvPr id="4" name="投影片編號版面配置區 3"/>
-          <p:cNvSpPr>
-            <a:spLocks noGrp="1"/>
-          </p:cNvSpPr>
-          <p:nvPr>
-            <p:ph type="sldNum" sz="quarter" idx="12"/>
-          </p:nvPr>
-        </p:nvSpPr>
-        <p:spPr/>
-        <p:txBody>
-          <a:bodyPr/>
-          <a:lstStyle/>
-          <a:p>
-            <a:fld id="{4FAB73BC-B049-4115-A692-8D63A059BFB8}" type="slidenum">
-              <a:rPr lang="en-US" smtClean="0"/>
-              <a:pPr/>
-              <a:t>37</a:t>
-            </a:fld>
-            <a:endParaRPr lang="en-US" dirty="0"/>
+      <p:pic>
+        <p:nvPicPr>
+          <p:cNvPr id="25" name="圖片 24"/>
+          <p:cNvPicPr>
+            <a:picLocks noChangeAspect="1"/>
+          </p:cNvPicPr>
+          <p:nvPr/>
+        </p:nvPicPr>
+        <p:blipFill>
+          <a:blip r:embed="rId2"/>
+          <a:stretch>
+            <a:fillRect/>
+          </a:stretch>
+        </p:blipFill>
+        <p:spPr>
+          <a:xfrm>
+            <a:off x="2691639" y="1741368"/>
+            <a:ext cx="4351828" cy="4430832"/>
+          </a:xfrm>
+          <a:prstGeom prst="rect">
+            <a:avLst/>
+          </a:prstGeom>
+        </p:spPr>
+      </p:pic>
+      <p:sp>
+        <p:nvSpPr>
+          <p:cNvPr id="26" name="文字方塊 25"/>
+          <p:cNvSpPr txBox="1"/>
+          <p:nvPr/>
+        </p:nvSpPr>
+        <p:spPr>
+          <a:xfrm>
+            <a:off x="685800" y="6182981"/>
+            <a:ext cx="7772400" cy="646331"/>
+          </a:xfrm>
+          <a:prstGeom prst="rect">
+            <a:avLst/>
+          </a:prstGeom>
+          <a:noFill/>
+        </p:spPr>
+        <p:txBody>
+          <a:bodyPr wrap="square" rtlCol="0">
+            <a:spAutoFit/>
+          </a:bodyPr>
+          <a:lstStyle/>
+          <a:p>
+            <a:r>
+              <a:rPr lang="en-US" altLang="zh-TW" sz="1200" dirty="0"/>
+              <a:t>From Hung-</a:t>
+            </a:r>
+            <a:r>
+              <a:rPr lang="en-US" altLang="zh-TW" sz="1200" dirty="0" err="1"/>
+              <a:t>yi</a:t>
+            </a:r>
+            <a:r>
+              <a:rPr lang="en-US" altLang="zh-TW" sz="1200" dirty="0"/>
+              <a:t> </a:t>
+            </a:r>
+            <a:r>
+              <a:rPr lang="en-US" altLang="zh-TW" sz="1200" dirty="0" smtClean="0"/>
+              <a:t>Lee</a:t>
+            </a:r>
+            <a:r>
+              <a:rPr lang="en-US" altLang="zh-TW" sz="1200" dirty="0"/>
+              <a:t>, </a:t>
+            </a:r>
+            <a:r>
+              <a:rPr lang="en-US" altLang="zh-TW" sz="1200" dirty="0" smtClean="0"/>
+              <a:t>“</a:t>
+            </a:r>
+            <a:r>
+              <a:rPr lang="en-US" altLang="zh-TW" sz="1200" dirty="0"/>
+              <a:t>Generative Adversarial Network/Basic Idea/Machine Learning and having it deep and structured (2017,Spring)”</a:t>
+            </a:r>
+          </a:p>
+          <a:p>
+            <a:r>
+              <a:rPr lang="en-US" altLang="zh-TW" sz="1200" dirty="0"/>
+              <a:t>http://speech.ee.ntu.edu.tw/~tlkagk/courses_MLDS17.html</a:t>
+            </a:r>
+            <a:endParaRPr lang="zh-TW" altLang="en-US" sz="1200" dirty="0"/>
           </a:p>
         </p:txBody>
       </p:sp>
     </p:spTree>
     <p:extLst>
       <p:ext uri="{BB962C8B-B14F-4D97-AF65-F5344CB8AC3E}">
-        <p14:creationId xmlns:p14="http://schemas.microsoft.com/office/powerpoint/2010/main" val="235108530"/>
+        <p14:creationId xmlns:p14="http://schemas.microsoft.com/office/powerpoint/2010/main" val="2718027596"/>
       </p:ext>
     </p:extLst>
   </p:cSld>
@@ -19811,7 +19776,7 @@
       </p:grpSpPr>
       <p:sp>
         <p:nvSpPr>
-          <p:cNvPr id="5" name="標題 4"/>
+          <p:cNvPr id="7" name="標題 6"/>
           <p:cNvSpPr>
             <a:spLocks noGrp="1"/>
           </p:cNvSpPr>
@@ -19825,29 +19790,41 @@
           <a:lstStyle/>
           <a:p>
             <a:r>
-              <a:rPr lang="en-US" altLang="zh-TW" dirty="0"/>
-              <a:t>Algorithm</a:t>
-            </a:r>
-            <a:endParaRPr lang="zh-TW" altLang="en-US" dirty="0"/>
-          </a:p>
-        </p:txBody>
-      </p:sp>
-      <p:sp>
-        <p:nvSpPr>
-          <p:cNvPr id="6" name="內容版面配置區 5"/>
+              <a:rPr lang="en-US" altLang="zh-TW" sz="6600" cap="none" dirty="0" smtClean="0"/>
+              <a:t>Generative Adversarial Networks</a:t>
+            </a:r>
+            <a:br>
+              <a:rPr lang="en-US" altLang="zh-TW" sz="6600" cap="none" dirty="0" smtClean="0"/>
+            </a:br>
+            <a:r>
+              <a:rPr lang="en-US" altLang="zh-TW" sz="6600" cap="none" dirty="0" smtClean="0"/>
+              <a:t>(GAN)</a:t>
+            </a:r>
+            <a:endParaRPr lang="en-US" altLang="zh-TW" sz="6600" cap="none" dirty="0"/>
+          </a:p>
+        </p:txBody>
+      </p:sp>
+      <p:sp>
+        <p:nvSpPr>
+          <p:cNvPr id="8" name="文字版面配置區 7"/>
           <p:cNvSpPr>
             <a:spLocks noGrp="1"/>
           </p:cNvSpPr>
           <p:nvPr>
-            <p:ph idx="1"/>
+            <p:ph type="body" idx="1"/>
           </p:nvPr>
         </p:nvSpPr>
         <p:spPr/>
         <p:txBody>
-          <a:bodyPr/>
-          <a:lstStyle/>
-          <a:p>
-            <a:endParaRPr lang="zh-TW" altLang="en-US"/>
+          <a:bodyPr>
+            <a:normAutofit/>
+          </a:bodyPr>
+          <a:lstStyle/>
+          <a:p>
+            <a:r>
+              <a:rPr lang="en-US" altLang="zh-TW" sz="3200" dirty="0" smtClean="0"/>
+              <a:t>Deep Learning</a:t>
+            </a:r>
           </a:p>
         </p:txBody>
       </p:sp>
@@ -19868,89 +19845,16 @@
           <a:p>
             <a:fld id="{4FAB73BC-B049-4115-A692-8D63A059BFB8}" type="slidenum">
               <a:rPr lang="en-US" smtClean="0"/>
-              <a:pPr/>
               <a:t>38</a:t>
             </a:fld>
             <a:endParaRPr lang="en-US" dirty="0"/>
           </a:p>
         </p:txBody>
       </p:sp>
-      <p:pic>
-        <p:nvPicPr>
-          <p:cNvPr id="2" name="圖片 1"/>
-          <p:cNvPicPr>
-            <a:picLocks noChangeAspect="1"/>
-          </p:cNvPicPr>
-          <p:nvPr/>
-        </p:nvPicPr>
-        <p:blipFill>
-          <a:blip r:embed="rId2"/>
-          <a:stretch>
-            <a:fillRect/>
-          </a:stretch>
-        </p:blipFill>
-        <p:spPr>
-          <a:xfrm>
-            <a:off x="1125651" y="2093975"/>
-            <a:ext cx="6892698" cy="4078225"/>
-          </a:xfrm>
-          <a:prstGeom prst="rect">
-            <a:avLst/>
-          </a:prstGeom>
-        </p:spPr>
-      </p:pic>
-      <p:sp>
-        <p:nvSpPr>
-          <p:cNvPr id="3" name="文字方塊 2"/>
-          <p:cNvSpPr txBox="1"/>
-          <p:nvPr/>
-        </p:nvSpPr>
-        <p:spPr>
-          <a:xfrm>
-            <a:off x="685800" y="6182981"/>
-            <a:ext cx="7772400" cy="584775"/>
-          </a:xfrm>
-          <a:prstGeom prst="rect">
-            <a:avLst/>
-          </a:prstGeom>
-          <a:noFill/>
-        </p:spPr>
-        <p:txBody>
-          <a:bodyPr wrap="square" rtlCol="0">
-            <a:spAutoFit/>
-          </a:bodyPr>
-          <a:lstStyle/>
-          <a:p>
-            <a:r>
-              <a:rPr lang="en-US" altLang="zh-TW" sz="1600" dirty="0"/>
-              <a:t>From </a:t>
-            </a:r>
-            <a:r>
-              <a:rPr lang="en-US" altLang="zh-TW" sz="1600" dirty="0" smtClean="0"/>
-              <a:t>“Generative </a:t>
-            </a:r>
-            <a:r>
-              <a:rPr lang="en-US" altLang="zh-TW" sz="1600" dirty="0"/>
-              <a:t>Adversarial </a:t>
-            </a:r>
-            <a:r>
-              <a:rPr lang="en-US" altLang="zh-TW" sz="1600" dirty="0" smtClean="0"/>
-              <a:t>Networks”</a:t>
-            </a:r>
-          </a:p>
-          <a:p>
-            <a:r>
-              <a:rPr lang="en-US" altLang="zh-TW" sz="1600" dirty="0"/>
-              <a:t>https://arxiv.org/abs/1406.2661</a:t>
-            </a:r>
-            <a:endParaRPr lang="zh-TW" altLang="en-US" sz="1600" dirty="0"/>
-          </a:p>
-        </p:txBody>
-      </p:sp>
     </p:spTree>
     <p:extLst>
       <p:ext uri="{BB962C8B-B14F-4D97-AF65-F5344CB8AC3E}">
-        <p14:creationId xmlns:p14="http://schemas.microsoft.com/office/powerpoint/2010/main" val="2739611917"/>
+        <p14:creationId xmlns:p14="http://schemas.microsoft.com/office/powerpoint/2010/main" val="151502483"/>
       </p:ext>
     </p:extLst>
   </p:cSld>
@@ -19986,7 +19890,7 @@
       </p:grpSpPr>
       <p:sp>
         <p:nvSpPr>
-          <p:cNvPr id="7" name="標題 6"/>
+          <p:cNvPr id="5" name="標題 4"/>
           <p:cNvSpPr>
             <a:spLocks noGrp="1"/>
           </p:cNvSpPr>
@@ -19994,47 +19898,41 @@
             <p:ph type="title"/>
           </p:nvPr>
         </p:nvSpPr>
-        <p:spPr/>
+        <p:spPr>
+          <a:xfrm>
+            <a:off x="685800" y="354003"/>
+            <a:ext cx="7772400" cy="1229868"/>
+          </a:xfrm>
+        </p:spPr>
         <p:txBody>
           <a:bodyPr/>
           <a:lstStyle/>
           <a:p>
-            <a:r>
-              <a:rPr lang="en-US" altLang="zh-TW" sz="6600" cap="none" dirty="0" smtClean="0"/>
-              <a:t>Wasserstein GAN </a:t>
-            </a:r>
-            <a:br>
-              <a:rPr lang="en-US" altLang="zh-TW" sz="6600" cap="none" dirty="0" smtClean="0"/>
-            </a:br>
-            <a:r>
-              <a:rPr lang="en-US" altLang="zh-TW" sz="6600" cap="none" dirty="0" smtClean="0"/>
-              <a:t>(WGAN)</a:t>
-            </a:r>
-            <a:endParaRPr lang="en-US" altLang="zh-TW" sz="6600" cap="none" dirty="0"/>
-          </a:p>
-        </p:txBody>
-      </p:sp>
-      <p:sp>
-        <p:nvSpPr>
-          <p:cNvPr id="8" name="文字版面配置區 7"/>
+            <a:endParaRPr lang="zh-TW" altLang="en-US" dirty="0"/>
+          </a:p>
+        </p:txBody>
+      </p:sp>
+      <p:sp>
+        <p:nvSpPr>
+          <p:cNvPr id="6" name="內容版面配置區 5"/>
           <p:cNvSpPr>
             <a:spLocks noGrp="1"/>
           </p:cNvSpPr>
           <p:nvPr>
-            <p:ph type="body" idx="1"/>
+            <p:ph idx="1"/>
           </p:nvPr>
         </p:nvSpPr>
-        <p:spPr/>
-        <p:txBody>
-          <a:bodyPr>
-            <a:normAutofit/>
-          </a:bodyPr>
-          <a:lstStyle/>
-          <a:p>
-            <a:r>
-              <a:rPr lang="en-US" altLang="zh-TW" sz="3200" dirty="0" smtClean="0"/>
-              <a:t>Deep Learning</a:t>
-            </a:r>
+        <p:spPr>
+          <a:xfrm>
+            <a:off x="685800" y="1641021"/>
+            <a:ext cx="7772400" cy="4996889"/>
+          </a:xfrm>
+        </p:spPr>
+        <p:txBody>
+          <a:bodyPr/>
+          <a:lstStyle/>
+          <a:p>
+            <a:endParaRPr lang="zh-TW" altLang="en-US"/>
           </a:p>
         </p:txBody>
       </p:sp>
@@ -20055,6 +19953,7 @@
           <a:p>
             <a:fld id="{4FAB73BC-B049-4115-A692-8D63A059BFB8}" type="slidenum">
               <a:rPr lang="en-US" smtClean="0"/>
+              <a:pPr/>
               <a:t>39</a:t>
             </a:fld>
             <a:endParaRPr lang="en-US" dirty="0"/>
@@ -20064,7 +19963,7 @@
     </p:spTree>
     <p:extLst>
       <p:ext uri="{BB962C8B-B14F-4D97-AF65-F5344CB8AC3E}">
-        <p14:creationId xmlns:p14="http://schemas.microsoft.com/office/powerpoint/2010/main" val="381973649"/>
+        <p14:creationId xmlns:p14="http://schemas.microsoft.com/office/powerpoint/2010/main" val="235108530"/>
       </p:ext>
     </p:extLst>
   </p:cSld>
@@ -20216,16 +20115,15 @@
             <p:ph type="title"/>
           </p:nvPr>
         </p:nvSpPr>
-        <p:spPr>
-          <a:xfrm>
-            <a:off x="685800" y="354003"/>
-            <a:ext cx="7772400" cy="1229868"/>
-          </a:xfrm>
-        </p:spPr>
+        <p:spPr/>
         <p:txBody>
           <a:bodyPr/>
           <a:lstStyle/>
           <a:p>
+            <a:r>
+              <a:rPr lang="en-US" altLang="zh-TW" dirty="0"/>
+              <a:t>Algorithm</a:t>
+            </a:r>
             <a:endParaRPr lang="zh-TW" altLang="en-US" dirty="0"/>
           </a:p>
         </p:txBody>
@@ -20240,12 +20138,7 @@
             <p:ph idx="1"/>
           </p:nvPr>
         </p:nvSpPr>
-        <p:spPr>
-          <a:xfrm>
-            <a:off x="685800" y="1641021"/>
-            <a:ext cx="7772400" cy="4996889"/>
-          </a:xfrm>
-        </p:spPr>
+        <p:spPr/>
         <p:txBody>
           <a:bodyPr/>
           <a:lstStyle/>
@@ -20278,10 +20171,82 @@
           </a:p>
         </p:txBody>
       </p:sp>
+      <p:pic>
+        <p:nvPicPr>
+          <p:cNvPr id="2" name="圖片 1"/>
+          <p:cNvPicPr>
+            <a:picLocks noChangeAspect="1"/>
+          </p:cNvPicPr>
+          <p:nvPr/>
+        </p:nvPicPr>
+        <p:blipFill>
+          <a:blip r:embed="rId2"/>
+          <a:stretch>
+            <a:fillRect/>
+          </a:stretch>
+        </p:blipFill>
+        <p:spPr>
+          <a:xfrm>
+            <a:off x="1125651" y="2093975"/>
+            <a:ext cx="6892698" cy="4078225"/>
+          </a:xfrm>
+          <a:prstGeom prst="rect">
+            <a:avLst/>
+          </a:prstGeom>
+        </p:spPr>
+      </p:pic>
+      <p:sp>
+        <p:nvSpPr>
+          <p:cNvPr id="3" name="文字方塊 2"/>
+          <p:cNvSpPr txBox="1"/>
+          <p:nvPr/>
+        </p:nvSpPr>
+        <p:spPr>
+          <a:xfrm>
+            <a:off x="685800" y="6182981"/>
+            <a:ext cx="7772400" cy="584775"/>
+          </a:xfrm>
+          <a:prstGeom prst="rect">
+            <a:avLst/>
+          </a:prstGeom>
+          <a:noFill/>
+        </p:spPr>
+        <p:txBody>
+          <a:bodyPr wrap="square" rtlCol="0">
+            <a:spAutoFit/>
+          </a:bodyPr>
+          <a:lstStyle/>
+          <a:p>
+            <a:r>
+              <a:rPr lang="en-US" altLang="zh-TW" sz="1600" dirty="0"/>
+              <a:t>From </a:t>
+            </a:r>
+            <a:r>
+              <a:rPr lang="en-US" altLang="zh-TW" sz="1600" dirty="0" smtClean="0"/>
+              <a:t>“Generative </a:t>
+            </a:r>
+            <a:r>
+              <a:rPr lang="en-US" altLang="zh-TW" sz="1600" dirty="0"/>
+              <a:t>Adversarial </a:t>
+            </a:r>
+            <a:r>
+              <a:rPr lang="en-US" altLang="zh-TW" sz="1600" dirty="0" smtClean="0"/>
+              <a:t>Networks”</a:t>
+            </a:r>
+          </a:p>
+          <a:p>
+            <a:r>
+              <a:rPr lang="en-US" altLang="zh-TW" sz="1600" dirty="0"/>
+              <a:t>https://arxiv.org/abs/1406.2661</a:t>
+            </a:r>
+            <a:endParaRPr lang="zh-TW" altLang="en-US" sz="1600" dirty="0"/>
+          </a:p>
+        </p:txBody>
+      </p:sp>
     </p:spTree>
     <p:extLst>
       <p:ext uri="{BB962C8B-B14F-4D97-AF65-F5344CB8AC3E}">
-        <p14:creationId xmlns:p14="http://schemas.microsoft.com/office/powerpoint/2010/main" val="778841893"/>
+        <p14:creationId xmlns:p14="http://schemas.microsoft.com/office/powerpoint/2010/main" val="2739611917"/>
       </p:ext>
     </p:extLst>
   </p:cSld>
@@ -20317,7 +20282,7 @@
       </p:grpSpPr>
       <p:sp>
         <p:nvSpPr>
-          <p:cNvPr id="5" name="標題 4"/>
+          <p:cNvPr id="7" name="標題 6"/>
           <p:cNvSpPr>
             <a:spLocks noGrp="1"/>
           </p:cNvSpPr>
@@ -20331,29 +20296,41 @@
           <a:lstStyle/>
           <a:p>
             <a:r>
-              <a:rPr lang="en-US" altLang="zh-TW" dirty="0"/>
-              <a:t>Algorithm</a:t>
-            </a:r>
-            <a:endParaRPr lang="zh-TW" altLang="en-US" dirty="0"/>
-          </a:p>
-        </p:txBody>
-      </p:sp>
-      <p:sp>
-        <p:nvSpPr>
-          <p:cNvPr id="6" name="內容版面配置區 5"/>
+              <a:rPr lang="en-US" altLang="zh-TW" sz="6600" cap="none" dirty="0" smtClean="0"/>
+              <a:t>Wasserstein GAN </a:t>
+            </a:r>
+            <a:br>
+              <a:rPr lang="en-US" altLang="zh-TW" sz="6600" cap="none" dirty="0" smtClean="0"/>
+            </a:br>
+            <a:r>
+              <a:rPr lang="en-US" altLang="zh-TW" sz="6600" cap="none" dirty="0" smtClean="0"/>
+              <a:t>(WGAN)</a:t>
+            </a:r>
+            <a:endParaRPr lang="en-US" altLang="zh-TW" sz="6600" cap="none" dirty="0"/>
+          </a:p>
+        </p:txBody>
+      </p:sp>
+      <p:sp>
+        <p:nvSpPr>
+          <p:cNvPr id="8" name="文字版面配置區 7"/>
           <p:cNvSpPr>
             <a:spLocks noGrp="1"/>
           </p:cNvSpPr>
           <p:nvPr>
-            <p:ph idx="1"/>
+            <p:ph type="body" idx="1"/>
           </p:nvPr>
         </p:nvSpPr>
         <p:spPr/>
         <p:txBody>
-          <a:bodyPr/>
-          <a:lstStyle/>
-          <a:p>
-            <a:endParaRPr lang="zh-TW" altLang="en-US"/>
+          <a:bodyPr>
+            <a:normAutofit/>
+          </a:bodyPr>
+          <a:lstStyle/>
+          <a:p>
+            <a:r>
+              <a:rPr lang="en-US" altLang="zh-TW" sz="3200" dirty="0" smtClean="0"/>
+              <a:t>Deep Learning</a:t>
+            </a:r>
           </a:p>
         </p:txBody>
       </p:sp>
@@ -20374,77 +20351,16 @@
           <a:p>
             <a:fld id="{4FAB73BC-B049-4115-A692-8D63A059BFB8}" type="slidenum">
               <a:rPr lang="en-US" smtClean="0"/>
-              <a:pPr/>
               <a:t>41</a:t>
             </a:fld>
             <a:endParaRPr lang="en-US" dirty="0"/>
           </a:p>
         </p:txBody>
       </p:sp>
-      <p:sp>
-        <p:nvSpPr>
-          <p:cNvPr id="9" name="文字方塊 8"/>
-          <p:cNvSpPr txBox="1"/>
-          <p:nvPr/>
-        </p:nvSpPr>
-        <p:spPr>
-          <a:xfrm>
-            <a:off x="685800" y="6182981"/>
-            <a:ext cx="7772400" cy="584775"/>
-          </a:xfrm>
-          <a:prstGeom prst="rect">
-            <a:avLst/>
-          </a:prstGeom>
-          <a:noFill/>
-        </p:spPr>
-        <p:txBody>
-          <a:bodyPr wrap="square" rtlCol="0">
-            <a:spAutoFit/>
-          </a:bodyPr>
-          <a:lstStyle/>
-          <a:p>
-            <a:r>
-              <a:rPr lang="en-US" altLang="zh-TW" sz="1600" dirty="0"/>
-              <a:t>From “Wasserstein GAN”</a:t>
-            </a:r>
-          </a:p>
-          <a:p>
-            <a:r>
-              <a:rPr lang="en-US" altLang="zh-TW" sz="1600" dirty="0"/>
-              <a:t>https://arxiv.org/abs/1701.07875</a:t>
-            </a:r>
-            <a:endParaRPr lang="zh-TW" altLang="en-US" sz="1600" dirty="0"/>
-          </a:p>
-        </p:txBody>
-      </p:sp>
-      <p:pic>
-        <p:nvPicPr>
-          <p:cNvPr id="2" name="圖片 1"/>
-          <p:cNvPicPr>
-            <a:picLocks noChangeAspect="1"/>
-          </p:cNvPicPr>
-          <p:nvPr/>
-        </p:nvPicPr>
-        <p:blipFill>
-          <a:blip r:embed="rId2"/>
-          <a:stretch>
-            <a:fillRect/>
-          </a:stretch>
-        </p:blipFill>
-        <p:spPr>
-          <a:xfrm>
-            <a:off x="685800" y="2121407"/>
-            <a:ext cx="7767637" cy="4050793"/>
-          </a:xfrm>
-          <a:prstGeom prst="rect">
-            <a:avLst/>
-          </a:prstGeom>
-        </p:spPr>
-      </p:pic>
     </p:spTree>
     <p:extLst>
       <p:ext uri="{BB962C8B-B14F-4D97-AF65-F5344CB8AC3E}">
-        <p14:creationId xmlns:p14="http://schemas.microsoft.com/office/powerpoint/2010/main" val="3757028252"/>
+        <p14:creationId xmlns:p14="http://schemas.microsoft.com/office/powerpoint/2010/main" val="381973649"/>
       </p:ext>
     </p:extLst>
   </p:cSld>
@@ -20480,7 +20396,7 @@
       </p:grpSpPr>
       <p:sp>
         <p:nvSpPr>
-          <p:cNvPr id="7" name="標題 6"/>
+          <p:cNvPr id="5" name="標題 4"/>
           <p:cNvSpPr>
             <a:spLocks noGrp="1"/>
           </p:cNvSpPr>
@@ -20488,47 +20404,41 @@
             <p:ph type="title"/>
           </p:nvPr>
         </p:nvSpPr>
-        <p:spPr/>
+        <p:spPr>
+          <a:xfrm>
+            <a:off x="685800" y="354003"/>
+            <a:ext cx="7772400" cy="1229868"/>
+          </a:xfrm>
+        </p:spPr>
         <p:txBody>
           <a:bodyPr/>
           <a:lstStyle/>
           <a:p>
-            <a:r>
-              <a:rPr lang="en-US" altLang="zh-TW" sz="6600" cap="none" dirty="0" smtClean="0"/>
-              <a:t>Improved Wasserstein GAN</a:t>
-            </a:r>
-            <a:br>
-              <a:rPr lang="en-US" altLang="zh-TW" sz="6600" cap="none" dirty="0" smtClean="0"/>
-            </a:br>
-            <a:r>
-              <a:rPr lang="en-US" altLang="zh-TW" sz="6600" cap="none" dirty="0" smtClean="0"/>
-              <a:t>(WGAN-GP)</a:t>
-            </a:r>
-            <a:endParaRPr lang="en-US" altLang="zh-TW" sz="6600" cap="none" dirty="0"/>
-          </a:p>
-        </p:txBody>
-      </p:sp>
-      <p:sp>
-        <p:nvSpPr>
-          <p:cNvPr id="8" name="文字版面配置區 7"/>
+            <a:endParaRPr lang="zh-TW" altLang="en-US" dirty="0"/>
+          </a:p>
+        </p:txBody>
+      </p:sp>
+      <p:sp>
+        <p:nvSpPr>
+          <p:cNvPr id="6" name="內容版面配置區 5"/>
           <p:cNvSpPr>
             <a:spLocks noGrp="1"/>
           </p:cNvSpPr>
           <p:nvPr>
-            <p:ph type="body" idx="1"/>
+            <p:ph idx="1"/>
           </p:nvPr>
         </p:nvSpPr>
-        <p:spPr/>
-        <p:txBody>
-          <a:bodyPr>
-            <a:normAutofit/>
-          </a:bodyPr>
-          <a:lstStyle/>
-          <a:p>
-            <a:r>
-              <a:rPr lang="en-US" altLang="zh-TW" sz="3200" dirty="0" smtClean="0"/>
-              <a:t>Deep Learning</a:t>
-            </a:r>
+        <p:spPr>
+          <a:xfrm>
+            <a:off x="685800" y="1641021"/>
+            <a:ext cx="7772400" cy="4996889"/>
+          </a:xfrm>
+        </p:spPr>
+        <p:txBody>
+          <a:bodyPr/>
+          <a:lstStyle/>
+          <a:p>
+            <a:endParaRPr lang="zh-TW" altLang="en-US"/>
           </a:p>
         </p:txBody>
       </p:sp>
@@ -20549,6 +20459,7 @@
           <a:p>
             <a:fld id="{4FAB73BC-B049-4115-A692-8D63A059BFB8}" type="slidenum">
               <a:rPr lang="en-US" smtClean="0"/>
+              <a:pPr/>
               <a:t>42</a:t>
             </a:fld>
             <a:endParaRPr lang="en-US" dirty="0"/>
@@ -20558,7 +20469,7 @@
     </p:spTree>
     <p:extLst>
       <p:ext uri="{BB962C8B-B14F-4D97-AF65-F5344CB8AC3E}">
-        <p14:creationId xmlns:p14="http://schemas.microsoft.com/office/powerpoint/2010/main" val="2646120703"/>
+        <p14:creationId xmlns:p14="http://schemas.microsoft.com/office/powerpoint/2010/main" val="778841893"/>
       </p:ext>
     </p:extLst>
   </p:cSld>
@@ -20602,16 +20513,15 @@
             <p:ph type="title"/>
           </p:nvPr>
         </p:nvSpPr>
-        <p:spPr>
-          <a:xfrm>
-            <a:off x="685800" y="354003"/>
-            <a:ext cx="7772400" cy="1229868"/>
-          </a:xfrm>
-        </p:spPr>
+        <p:spPr/>
         <p:txBody>
           <a:bodyPr/>
           <a:lstStyle/>
           <a:p>
+            <a:r>
+              <a:rPr lang="en-US" altLang="zh-TW" dirty="0"/>
+              <a:t>Algorithm</a:t>
+            </a:r>
             <a:endParaRPr lang="zh-TW" altLang="en-US" dirty="0"/>
           </a:p>
         </p:txBody>
@@ -20626,12 +20536,7 @@
             <p:ph idx="1"/>
           </p:nvPr>
         </p:nvSpPr>
-        <p:spPr>
-          <a:xfrm>
-            <a:off x="685800" y="1641021"/>
-            <a:ext cx="7772400" cy="4996889"/>
-          </a:xfrm>
-        </p:spPr>
+        <p:spPr/>
         <p:txBody>
           <a:bodyPr/>
           <a:lstStyle/>
@@ -20664,10 +20569,70 @@
           </a:p>
         </p:txBody>
       </p:sp>
+      <p:sp>
+        <p:nvSpPr>
+          <p:cNvPr id="9" name="文字方塊 8"/>
+          <p:cNvSpPr txBox="1"/>
+          <p:nvPr/>
+        </p:nvSpPr>
+        <p:spPr>
+          <a:xfrm>
+            <a:off x="685800" y="6182981"/>
+            <a:ext cx="7772400" cy="584775"/>
+          </a:xfrm>
+          <a:prstGeom prst="rect">
+            <a:avLst/>
+          </a:prstGeom>
+          <a:noFill/>
+        </p:spPr>
+        <p:txBody>
+          <a:bodyPr wrap="square" rtlCol="0">
+            <a:spAutoFit/>
+          </a:bodyPr>
+          <a:lstStyle/>
+          <a:p>
+            <a:r>
+              <a:rPr lang="en-US" altLang="zh-TW" sz="1600" dirty="0"/>
+              <a:t>From “Wasserstein GAN”</a:t>
+            </a:r>
+          </a:p>
+          <a:p>
+            <a:r>
+              <a:rPr lang="en-US" altLang="zh-TW" sz="1600" dirty="0"/>
+              <a:t>https://arxiv.org/abs/1701.07875</a:t>
+            </a:r>
+            <a:endParaRPr lang="zh-TW" altLang="en-US" sz="1600" dirty="0"/>
+          </a:p>
+        </p:txBody>
+      </p:sp>
+      <p:pic>
+        <p:nvPicPr>
+          <p:cNvPr id="2" name="圖片 1"/>
+          <p:cNvPicPr>
+            <a:picLocks noChangeAspect="1"/>
+          </p:cNvPicPr>
+          <p:nvPr/>
+        </p:nvPicPr>
+        <p:blipFill>
+          <a:blip r:embed="rId2"/>
+          <a:stretch>
+            <a:fillRect/>
+          </a:stretch>
+        </p:blipFill>
+        <p:spPr>
+          <a:xfrm>
+            <a:off x="685800" y="2121407"/>
+            <a:ext cx="7767637" cy="4050793"/>
+          </a:xfrm>
+          <a:prstGeom prst="rect">
+            <a:avLst/>
+          </a:prstGeom>
+        </p:spPr>
+      </p:pic>
     </p:spTree>
     <p:extLst>
       <p:ext uri="{BB962C8B-B14F-4D97-AF65-F5344CB8AC3E}">
-        <p14:creationId xmlns:p14="http://schemas.microsoft.com/office/powerpoint/2010/main" val="570451924"/>
+        <p14:creationId xmlns:p14="http://schemas.microsoft.com/office/powerpoint/2010/main" val="3757028252"/>
       </p:ext>
     </p:extLst>
   </p:cSld>
@@ -20703,7 +20668,7 @@
       </p:grpSpPr>
       <p:sp>
         <p:nvSpPr>
-          <p:cNvPr id="5" name="標題 4"/>
+          <p:cNvPr id="7" name="標題 6"/>
           <p:cNvSpPr>
             <a:spLocks noGrp="1"/>
           </p:cNvSpPr>
@@ -20717,29 +20682,41 @@
           <a:lstStyle/>
           <a:p>
             <a:r>
-              <a:rPr lang="en-US" altLang="zh-TW" dirty="0"/>
-              <a:t>Algorithm</a:t>
-            </a:r>
-            <a:endParaRPr lang="zh-TW" altLang="en-US" dirty="0"/>
-          </a:p>
-        </p:txBody>
-      </p:sp>
-      <p:sp>
-        <p:nvSpPr>
-          <p:cNvPr id="6" name="內容版面配置區 5"/>
+              <a:rPr lang="en-US" altLang="zh-TW" sz="6600" cap="none" dirty="0" smtClean="0"/>
+              <a:t>Improved Wasserstein GAN</a:t>
+            </a:r>
+            <a:br>
+              <a:rPr lang="en-US" altLang="zh-TW" sz="6600" cap="none" dirty="0" smtClean="0"/>
+            </a:br>
+            <a:r>
+              <a:rPr lang="en-US" altLang="zh-TW" sz="6600" cap="none" dirty="0" smtClean="0"/>
+              <a:t>(WGAN-GP)</a:t>
+            </a:r>
+            <a:endParaRPr lang="en-US" altLang="zh-TW" sz="6600" cap="none" dirty="0"/>
+          </a:p>
+        </p:txBody>
+      </p:sp>
+      <p:sp>
+        <p:nvSpPr>
+          <p:cNvPr id="8" name="文字版面配置區 7"/>
           <p:cNvSpPr>
             <a:spLocks noGrp="1"/>
           </p:cNvSpPr>
           <p:nvPr>
-            <p:ph idx="1"/>
+            <p:ph type="body" idx="1"/>
           </p:nvPr>
         </p:nvSpPr>
         <p:spPr/>
         <p:txBody>
-          <a:bodyPr/>
-          <a:lstStyle/>
-          <a:p>
-            <a:endParaRPr lang="zh-TW" altLang="en-US"/>
+          <a:bodyPr>
+            <a:normAutofit/>
+          </a:bodyPr>
+          <a:lstStyle/>
+          <a:p>
+            <a:r>
+              <a:rPr lang="en-US" altLang="zh-TW" sz="3200" dirty="0" smtClean="0"/>
+              <a:t>Deep Learning</a:t>
+            </a:r>
           </a:p>
         </p:txBody>
       </p:sp>
@@ -20760,77 +20737,16 @@
           <a:p>
             <a:fld id="{4FAB73BC-B049-4115-A692-8D63A059BFB8}" type="slidenum">
               <a:rPr lang="en-US" smtClean="0"/>
-              <a:pPr/>
               <a:t>44</a:t>
             </a:fld>
             <a:endParaRPr lang="en-US" dirty="0"/>
           </a:p>
         </p:txBody>
       </p:sp>
-      <p:sp>
-        <p:nvSpPr>
-          <p:cNvPr id="7" name="文字方塊 6"/>
-          <p:cNvSpPr txBox="1"/>
-          <p:nvPr/>
-        </p:nvSpPr>
-        <p:spPr>
-          <a:xfrm>
-            <a:off x="685800" y="6182981"/>
-            <a:ext cx="7772400" cy="584775"/>
-          </a:xfrm>
-          <a:prstGeom prst="rect">
-            <a:avLst/>
-          </a:prstGeom>
-          <a:noFill/>
-        </p:spPr>
-        <p:txBody>
-          <a:bodyPr wrap="square" rtlCol="0">
-            <a:spAutoFit/>
-          </a:bodyPr>
-          <a:lstStyle/>
-          <a:p>
-            <a:r>
-              <a:rPr lang="en-US" altLang="zh-TW" sz="1600" dirty="0"/>
-              <a:t>From “Improved Training of Wasserstein GANs”</a:t>
-            </a:r>
-          </a:p>
-          <a:p>
-            <a:r>
-              <a:rPr lang="en-US" altLang="zh-TW" sz="1600" dirty="0"/>
-              <a:t>https://arxiv.org/abs/1704.00028</a:t>
-            </a:r>
-            <a:endParaRPr lang="zh-TW" altLang="en-US" sz="1600" dirty="0"/>
-          </a:p>
-        </p:txBody>
-      </p:sp>
-      <p:pic>
-        <p:nvPicPr>
-          <p:cNvPr id="3" name="圖片 2"/>
-          <p:cNvPicPr>
-            <a:picLocks noChangeAspect="1"/>
-          </p:cNvPicPr>
-          <p:nvPr/>
-        </p:nvPicPr>
-        <p:blipFill>
-          <a:blip r:embed="rId2"/>
-          <a:stretch>
-            <a:fillRect/>
-          </a:stretch>
-        </p:blipFill>
-        <p:spPr>
-          <a:xfrm>
-            <a:off x="689273" y="2121408"/>
-            <a:ext cx="7768927" cy="4044505"/>
-          </a:xfrm>
-          <a:prstGeom prst="rect">
-            <a:avLst/>
-          </a:prstGeom>
-        </p:spPr>
-      </p:pic>
     </p:spTree>
     <p:extLst>
       <p:ext uri="{BB962C8B-B14F-4D97-AF65-F5344CB8AC3E}">
-        <p14:creationId xmlns:p14="http://schemas.microsoft.com/office/powerpoint/2010/main" val="2113510665"/>
+        <p14:creationId xmlns:p14="http://schemas.microsoft.com/office/powerpoint/2010/main" val="2646120703"/>
       </p:ext>
     </p:extLst>
   </p:cSld>
@@ -20866,7 +20782,7 @@
       </p:grpSpPr>
       <p:sp>
         <p:nvSpPr>
-          <p:cNvPr id="7" name="標題 6"/>
+          <p:cNvPr id="5" name="標題 4"/>
           <p:cNvSpPr>
             <a:spLocks noGrp="1"/>
           </p:cNvSpPr>
@@ -20874,40 +20790,41 @@
             <p:ph type="title"/>
           </p:nvPr>
         </p:nvSpPr>
-        <p:spPr/>
+        <p:spPr>
+          <a:xfrm>
+            <a:off x="685800" y="354003"/>
+            <a:ext cx="7772400" cy="1229868"/>
+          </a:xfrm>
+        </p:spPr>
         <p:txBody>
           <a:bodyPr/>
           <a:lstStyle/>
           <a:p>
-            <a:r>
-              <a:rPr lang="en-US" altLang="zh-TW" sz="6600" cap="none" dirty="0"/>
-              <a:t>Requirement</a:t>
-            </a:r>
-          </a:p>
-        </p:txBody>
-      </p:sp>
-      <p:sp>
-        <p:nvSpPr>
-          <p:cNvPr id="8" name="文字版面配置區 7"/>
+            <a:endParaRPr lang="zh-TW" altLang="en-US" dirty="0"/>
+          </a:p>
+        </p:txBody>
+      </p:sp>
+      <p:sp>
+        <p:nvSpPr>
+          <p:cNvPr id="6" name="內容版面配置區 5"/>
           <p:cNvSpPr>
             <a:spLocks noGrp="1"/>
           </p:cNvSpPr>
           <p:nvPr>
-            <p:ph type="body" idx="1"/>
+            <p:ph idx="1"/>
           </p:nvPr>
         </p:nvSpPr>
-        <p:spPr/>
-        <p:txBody>
-          <a:bodyPr>
-            <a:normAutofit/>
-          </a:bodyPr>
-          <a:lstStyle/>
-          <a:p>
-            <a:r>
-              <a:rPr lang="en-US" altLang="zh-TW" sz="3200" dirty="0"/>
-              <a:t>MATERIALS AND METHODS</a:t>
-            </a:r>
-            <a:endParaRPr lang="zh-TW" altLang="en-US" sz="3200" dirty="0"/>
+        <p:spPr>
+          <a:xfrm>
+            <a:off x="685800" y="1641021"/>
+            <a:ext cx="7772400" cy="4996889"/>
+          </a:xfrm>
+        </p:spPr>
+        <p:txBody>
+          <a:bodyPr/>
+          <a:lstStyle/>
+          <a:p>
+            <a:endParaRPr lang="zh-TW" altLang="en-US"/>
           </a:p>
         </p:txBody>
       </p:sp>
@@ -20928,6 +20845,7 @@
           <a:p>
             <a:fld id="{4FAB73BC-B049-4115-A692-8D63A059BFB8}" type="slidenum">
               <a:rPr lang="en-US" smtClean="0"/>
+              <a:pPr/>
               <a:t>45</a:t>
             </a:fld>
             <a:endParaRPr lang="en-US" dirty="0"/>
@@ -20937,7 +20855,7 @@
     </p:spTree>
     <p:extLst>
       <p:ext uri="{BB962C8B-B14F-4D97-AF65-F5344CB8AC3E}">
-        <p14:creationId xmlns:p14="http://schemas.microsoft.com/office/powerpoint/2010/main" val="3883168467"/>
+        <p14:creationId xmlns:p14="http://schemas.microsoft.com/office/powerpoint/2010/main" val="570451924"/>
       </p:ext>
     </p:extLst>
   </p:cSld>
@@ -20981,16 +20899,15 @@
             <p:ph type="title"/>
           </p:nvPr>
         </p:nvSpPr>
-        <p:spPr>
-          <a:xfrm>
-            <a:off x="685800" y="354003"/>
-            <a:ext cx="7772400" cy="1229868"/>
-          </a:xfrm>
-        </p:spPr>
+        <p:spPr/>
         <p:txBody>
           <a:bodyPr/>
           <a:lstStyle/>
           <a:p>
+            <a:r>
+              <a:rPr lang="en-US" altLang="zh-TW" dirty="0"/>
+              <a:t>Algorithm</a:t>
+            </a:r>
             <a:endParaRPr lang="zh-TW" altLang="en-US" dirty="0"/>
           </a:p>
         </p:txBody>
@@ -21005,12 +20922,7 @@
             <p:ph idx="1"/>
           </p:nvPr>
         </p:nvSpPr>
-        <p:spPr>
-          <a:xfrm>
-            <a:off x="685800" y="1641021"/>
-            <a:ext cx="7772400" cy="4996889"/>
-          </a:xfrm>
-        </p:spPr>
+        <p:spPr/>
         <p:txBody>
           <a:bodyPr/>
           <a:lstStyle/>
@@ -21043,10 +20955,70 @@
           </a:p>
         </p:txBody>
       </p:sp>
+      <p:sp>
+        <p:nvSpPr>
+          <p:cNvPr id="7" name="文字方塊 6"/>
+          <p:cNvSpPr txBox="1"/>
+          <p:nvPr/>
+        </p:nvSpPr>
+        <p:spPr>
+          <a:xfrm>
+            <a:off x="685800" y="6182981"/>
+            <a:ext cx="7772400" cy="584775"/>
+          </a:xfrm>
+          <a:prstGeom prst="rect">
+            <a:avLst/>
+          </a:prstGeom>
+          <a:noFill/>
+        </p:spPr>
+        <p:txBody>
+          <a:bodyPr wrap="square" rtlCol="0">
+            <a:spAutoFit/>
+          </a:bodyPr>
+          <a:lstStyle/>
+          <a:p>
+            <a:r>
+              <a:rPr lang="en-US" altLang="zh-TW" sz="1600" dirty="0"/>
+              <a:t>From “Improved Training of Wasserstein GANs”</a:t>
+            </a:r>
+          </a:p>
+          <a:p>
+            <a:r>
+              <a:rPr lang="en-US" altLang="zh-TW" sz="1600" dirty="0"/>
+              <a:t>https://arxiv.org/abs/1704.00028</a:t>
+            </a:r>
+            <a:endParaRPr lang="zh-TW" altLang="en-US" sz="1600" dirty="0"/>
+          </a:p>
+        </p:txBody>
+      </p:sp>
+      <p:pic>
+        <p:nvPicPr>
+          <p:cNvPr id="3" name="圖片 2"/>
+          <p:cNvPicPr>
+            <a:picLocks noChangeAspect="1"/>
+          </p:cNvPicPr>
+          <p:nvPr/>
+        </p:nvPicPr>
+        <p:blipFill>
+          <a:blip r:embed="rId2"/>
+          <a:stretch>
+            <a:fillRect/>
+          </a:stretch>
+        </p:blipFill>
+        <p:spPr>
+          <a:xfrm>
+            <a:off x="689273" y="2121408"/>
+            <a:ext cx="7768927" cy="4044505"/>
+          </a:xfrm>
+          <a:prstGeom prst="rect">
+            <a:avLst/>
+          </a:prstGeom>
+        </p:spPr>
+      </p:pic>
     </p:spTree>
     <p:extLst>
       <p:ext uri="{BB962C8B-B14F-4D97-AF65-F5344CB8AC3E}">
-        <p14:creationId xmlns:p14="http://schemas.microsoft.com/office/powerpoint/2010/main" val="512805460"/>
+        <p14:creationId xmlns:p14="http://schemas.microsoft.com/office/powerpoint/2010/main" val="2113510665"/>
       </p:ext>
     </p:extLst>
   </p:cSld>
@@ -21082,7 +21054,7 @@
       </p:grpSpPr>
       <p:sp>
         <p:nvSpPr>
-          <p:cNvPr id="2" name="標題 1"/>
+          <p:cNvPr id="7" name="標題 6"/>
           <p:cNvSpPr>
             <a:spLocks noGrp="1"/>
           </p:cNvSpPr>
@@ -21096,41 +21068,34 @@
           <a:lstStyle/>
           <a:p>
             <a:r>
-              <a:rPr lang="en-US" altLang="zh-TW" dirty="0"/>
+              <a:rPr lang="en-US" altLang="zh-TW" sz="6600" cap="none" dirty="0"/>
               <a:t>Requirement</a:t>
             </a:r>
-            <a:endParaRPr lang="zh-TW" altLang="en-US" dirty="0"/>
-          </a:p>
-        </p:txBody>
-      </p:sp>
-      <p:sp>
-        <p:nvSpPr>
-          <p:cNvPr id="3" name="內容版面配置區 2"/>
+          </a:p>
+        </p:txBody>
+      </p:sp>
+      <p:sp>
+        <p:nvSpPr>
+          <p:cNvPr id="8" name="文字版面配置區 7"/>
           <p:cNvSpPr>
             <a:spLocks noGrp="1"/>
           </p:cNvSpPr>
           <p:nvPr>
-            <p:ph idx="1"/>
+            <p:ph type="body" idx="1"/>
           </p:nvPr>
         </p:nvSpPr>
         <p:spPr/>
         <p:txBody>
-          <a:bodyPr/>
-          <a:lstStyle/>
-          <a:p>
-            <a:r>
-              <a:rPr lang="en-US" altLang="zh-TW" dirty="0" smtClean="0"/>
-              <a:t>Q: Where is my training data?</a:t>
-            </a:r>
-          </a:p>
-          <a:p>
-            <a:endParaRPr lang="en-US" altLang="zh-TW" dirty="0"/>
-          </a:p>
-          <a:p>
-            <a:r>
-              <a:rPr lang="en-US" altLang="zh-TW" dirty="0" smtClean="0"/>
-              <a:t>A: From Alexa Top 1-million sites.</a:t>
-            </a:r>
+          <a:bodyPr>
+            <a:normAutofit/>
+          </a:bodyPr>
+          <a:lstStyle/>
+          <a:p>
+            <a:r>
+              <a:rPr lang="en-US" altLang="zh-TW" sz="3200" dirty="0"/>
+              <a:t>MATERIALS AND METHODS</a:t>
+            </a:r>
+            <a:endParaRPr lang="zh-TW" altLang="en-US" sz="3200" dirty="0"/>
           </a:p>
         </p:txBody>
       </p:sp>
@@ -21151,41 +21116,16 @@
           <a:p>
             <a:fld id="{4FAB73BC-B049-4115-A692-8D63A059BFB8}" type="slidenum">
               <a:rPr lang="en-US" smtClean="0"/>
-              <a:pPr/>
               <a:t>47</a:t>
             </a:fld>
             <a:endParaRPr lang="en-US" dirty="0"/>
           </a:p>
         </p:txBody>
       </p:sp>
-      <p:pic>
-        <p:nvPicPr>
-          <p:cNvPr id="6" name="圖片 5"/>
-          <p:cNvPicPr>
-            <a:picLocks noChangeAspect="1"/>
-          </p:cNvPicPr>
-          <p:nvPr/>
-        </p:nvPicPr>
-        <p:blipFill>
-          <a:blip r:embed="rId2"/>
-          <a:stretch>
-            <a:fillRect/>
-          </a:stretch>
-        </p:blipFill>
-        <p:spPr>
-          <a:xfrm>
-            <a:off x="6408964" y="171450"/>
-            <a:ext cx="2049236" cy="6572250"/>
-          </a:xfrm>
-          <a:prstGeom prst="rect">
-            <a:avLst/>
-          </a:prstGeom>
-        </p:spPr>
-      </p:pic>
     </p:spTree>
     <p:extLst>
       <p:ext uri="{BB962C8B-B14F-4D97-AF65-F5344CB8AC3E}">
-        <p14:creationId xmlns:p14="http://schemas.microsoft.com/office/powerpoint/2010/main" val="1810861617"/>
+        <p14:creationId xmlns:p14="http://schemas.microsoft.com/office/powerpoint/2010/main" val="3883168467"/>
       </p:ext>
     </p:extLst>
   </p:cSld>
@@ -21221,7 +21161,7 @@
       </p:grpSpPr>
       <p:sp>
         <p:nvSpPr>
-          <p:cNvPr id="2" name="標題 1"/>
+          <p:cNvPr id="5" name="標題 4"/>
           <p:cNvSpPr>
             <a:spLocks noGrp="1"/>
           </p:cNvSpPr>
@@ -21229,22 +21169,23 @@
             <p:ph type="title"/>
           </p:nvPr>
         </p:nvSpPr>
-        <p:spPr/>
+        <p:spPr>
+          <a:xfrm>
+            <a:off x="685800" y="354003"/>
+            <a:ext cx="7772400" cy="1229868"/>
+          </a:xfrm>
+        </p:spPr>
         <p:txBody>
           <a:bodyPr/>
           <a:lstStyle/>
           <a:p>
-            <a:r>
-              <a:rPr lang="en-US" altLang="zh-TW" dirty="0"/>
-              <a:t>Requirement</a:t>
-            </a:r>
             <a:endParaRPr lang="zh-TW" altLang="en-US" dirty="0"/>
           </a:p>
         </p:txBody>
       </p:sp>
       <p:sp>
         <p:nvSpPr>
-          <p:cNvPr id="3" name="內容版面配置區 2"/>
+          <p:cNvPr id="6" name="內容版面配置區 5"/>
           <p:cNvSpPr>
             <a:spLocks noGrp="1"/>
           </p:cNvSpPr>
@@ -21252,46 +21193,17 @@
             <p:ph idx="1"/>
           </p:nvPr>
         </p:nvSpPr>
-        <p:spPr/>
+        <p:spPr>
+          <a:xfrm>
+            <a:off x="685800" y="1641021"/>
+            <a:ext cx="7772400" cy="4996889"/>
+          </a:xfrm>
+        </p:spPr>
         <p:txBody>
           <a:bodyPr/>
           <a:lstStyle/>
           <a:p>
-            <a:r>
-              <a:rPr lang="en-US" altLang="zh-TW" dirty="0" smtClean="0"/>
-              <a:t>Q: How to use this data?</a:t>
-            </a:r>
-            <a:endParaRPr lang="en-US" altLang="zh-TW" dirty="0"/>
-          </a:p>
-          <a:p>
-            <a:r>
-              <a:rPr lang="en-US" altLang="zh-TW" dirty="0" smtClean="0"/>
-              <a:t>A</a:t>
-            </a:r>
-            <a:r>
-              <a:rPr lang="en-US" altLang="zh-TW" dirty="0"/>
-              <a:t>: </a:t>
-            </a:r>
-            <a:r>
-              <a:rPr lang="en-US" altLang="zh-TW" dirty="0" smtClean="0"/>
-              <a:t>I </a:t>
-            </a:r>
-            <a:r>
-              <a:rPr lang="en-US" altLang="zh-TW" dirty="0"/>
-              <a:t>deal </a:t>
-            </a:r>
-            <a:r>
-              <a:rPr lang="en-US" altLang="zh-TW" dirty="0" smtClean="0"/>
-              <a:t>these </a:t>
-            </a:r>
-            <a:r>
-              <a:rPr lang="en-US" altLang="zh-TW" dirty="0"/>
-              <a:t>domain names </a:t>
-            </a:r>
-            <a:r>
-              <a:rPr lang="en-US" altLang="zh-TW" dirty="0" smtClean="0"/>
-              <a:t>as 38x80 pictures.</a:t>
-            </a:r>
+            <a:endParaRPr lang="zh-TW" altLang="en-US"/>
           </a:p>
         </p:txBody>
       </p:sp>
@@ -21319,34 +21231,10 @@
           </a:p>
         </p:txBody>
       </p:sp>
-      <p:pic>
-        <p:nvPicPr>
-          <p:cNvPr id="5" name="圖片 4"/>
-          <p:cNvPicPr>
-            <a:picLocks noChangeAspect="1"/>
-          </p:cNvPicPr>
-          <p:nvPr/>
-        </p:nvPicPr>
-        <p:blipFill>
-          <a:blip r:embed="rId2"/>
-          <a:stretch>
-            <a:fillRect/>
-          </a:stretch>
-        </p:blipFill>
-        <p:spPr>
-          <a:xfrm>
-            <a:off x="927497" y="2927144"/>
-            <a:ext cx="7289005" cy="3710766"/>
-          </a:xfrm>
-          <a:prstGeom prst="rect">
-            <a:avLst/>
-          </a:prstGeom>
-        </p:spPr>
-      </p:pic>
     </p:spTree>
     <p:extLst>
       <p:ext uri="{BB962C8B-B14F-4D97-AF65-F5344CB8AC3E}">
-        <p14:creationId xmlns:p14="http://schemas.microsoft.com/office/powerpoint/2010/main" val="4116307131"/>
+        <p14:creationId xmlns:p14="http://schemas.microsoft.com/office/powerpoint/2010/main" val="512805460"/>
       </p:ext>
     </p:extLst>
   </p:cSld>
@@ -21420,15 +21308,16 @@
           <a:p>
             <a:r>
               <a:rPr lang="en-US" altLang="zh-TW" dirty="0" smtClean="0"/>
-              <a:t>Because we don’t have the “code”.</a:t>
-            </a:r>
-            <a:r>
-              <a:rPr lang="zh-TW" altLang="en-US" dirty="0" smtClean="0"/>
-              <a:t> </a:t>
-            </a:r>
+              <a:t>Q: Where is my training data?</a:t>
+            </a:r>
+          </a:p>
+          <a:p>
+            <a:endParaRPr lang="en-US" altLang="zh-TW" dirty="0"/>
+          </a:p>
+          <a:p>
             <a:r>
               <a:rPr lang="en-US" altLang="zh-TW" dirty="0" smtClean="0"/>
-              <a:t>We have to train an Auto-encoder model.</a:t>
+              <a:t>A: From Alexa Top 1-million sites.</a:t>
             </a:r>
           </a:p>
         </p:txBody>
@@ -21452,6 +21341,478 @@
               <a:rPr lang="en-US" smtClean="0"/>
               <a:pPr/>
               <a:t>49</a:t>
+            </a:fld>
+            <a:endParaRPr lang="en-US" dirty="0"/>
+          </a:p>
+        </p:txBody>
+      </p:sp>
+      <p:pic>
+        <p:nvPicPr>
+          <p:cNvPr id="6" name="圖片 5"/>
+          <p:cNvPicPr>
+            <a:picLocks noChangeAspect="1"/>
+          </p:cNvPicPr>
+          <p:nvPr/>
+        </p:nvPicPr>
+        <p:blipFill>
+          <a:blip r:embed="rId2"/>
+          <a:stretch>
+            <a:fillRect/>
+          </a:stretch>
+        </p:blipFill>
+        <p:spPr>
+          <a:xfrm>
+            <a:off x="6408964" y="171450"/>
+            <a:ext cx="2049236" cy="6572250"/>
+          </a:xfrm>
+          <a:prstGeom prst="rect">
+            <a:avLst/>
+          </a:prstGeom>
+        </p:spPr>
+      </p:pic>
+    </p:spTree>
+    <p:extLst>
+      <p:ext uri="{BB962C8B-B14F-4D97-AF65-F5344CB8AC3E}">
+        <p14:creationId xmlns:p14="http://schemas.microsoft.com/office/powerpoint/2010/main" val="1810861617"/>
+      </p:ext>
+    </p:extLst>
+  </p:cSld>
+  <p:clrMapOvr>
+    <a:masterClrMapping/>
+  </p:clrMapOvr>
+  <p:timing>
+    <p:tnLst>
+      <p:par>
+        <p:cTn id="1" dur="indefinite" restart="never" nodeType="tmRoot"/>
+      </p:par>
+    </p:tnLst>
+  </p:timing>
+</p:sld>
+</file>
+
+<file path=ppt/slides/slide5.xml><?xml version="1.0" encoding="utf-8"?>
+<p:sld xmlns:a="http://schemas.openxmlformats.org/drawingml/2006/main" xmlns:r="http://schemas.openxmlformats.org/officeDocument/2006/relationships" xmlns:p="http://schemas.openxmlformats.org/presentationml/2006/main">
+  <p:cSld>
+    <p:spTree>
+      <p:nvGrpSpPr>
+        <p:cNvPr id="1" name=""/>
+        <p:cNvGrpSpPr/>
+        <p:nvPr/>
+      </p:nvGrpSpPr>
+      <p:grpSpPr>
+        <a:xfrm>
+          <a:off x="0" y="0"/>
+          <a:ext cx="0" cy="0"/>
+          <a:chOff x="0" y="0"/>
+          <a:chExt cx="0" cy="0"/>
+        </a:xfrm>
+      </p:grpSpPr>
+      <p:sp>
+        <p:nvSpPr>
+          <p:cNvPr id="5" name="標題 4"/>
+          <p:cNvSpPr>
+            <a:spLocks noGrp="1"/>
+          </p:cNvSpPr>
+          <p:nvPr>
+            <p:ph type="title"/>
+          </p:nvPr>
+        </p:nvSpPr>
+        <p:spPr>
+          <a:xfrm>
+            <a:off x="685800" y="354003"/>
+            <a:ext cx="7772400" cy="1229868"/>
+          </a:xfrm>
+        </p:spPr>
+        <p:txBody>
+          <a:bodyPr/>
+          <a:lstStyle/>
+          <a:p>
+            <a:r>
+              <a:rPr lang="en-US" altLang="zh-TW" cap="none" dirty="0"/>
+              <a:t>Botnet</a:t>
+            </a:r>
+            <a:endParaRPr lang="zh-TW" altLang="en-US" dirty="0"/>
+          </a:p>
+        </p:txBody>
+      </p:sp>
+      <p:sp>
+        <p:nvSpPr>
+          <p:cNvPr id="6" name="內容版面配置區 5"/>
+          <p:cNvSpPr>
+            <a:spLocks noGrp="1"/>
+          </p:cNvSpPr>
+          <p:nvPr>
+            <p:ph idx="1"/>
+          </p:nvPr>
+        </p:nvSpPr>
+        <p:spPr>
+          <a:xfrm>
+            <a:off x="685800" y="1641021"/>
+            <a:ext cx="7772400" cy="4996889"/>
+          </a:xfrm>
+        </p:spPr>
+        <p:txBody>
+          <a:bodyPr/>
+          <a:lstStyle/>
+          <a:p>
+            <a:r>
+              <a:rPr lang="en-US" altLang="zh-TW" sz="3000" dirty="0"/>
+              <a:t>Command and Control Server</a:t>
+            </a:r>
+          </a:p>
+          <a:p>
+            <a:r>
+              <a:rPr lang="en-US" altLang="zh-TW" sz="3000" dirty="0"/>
+              <a:t>Bot</a:t>
+            </a:r>
+          </a:p>
+          <a:p>
+            <a:endParaRPr lang="en-US" altLang="zh-TW" sz="3000" dirty="0"/>
+          </a:p>
+          <a:p>
+            <a:r>
+              <a:rPr lang="zh-TW" altLang="en-US" sz="3000" dirty="0"/>
+              <a:t>以往連接到</a:t>
+            </a:r>
+            <a:r>
+              <a:rPr lang="en-US" altLang="zh-TW" sz="3000" dirty="0"/>
+              <a:t>C&amp;C</a:t>
+            </a:r>
+            <a:r>
+              <a:rPr lang="zh-TW" altLang="en-US" sz="3000" dirty="0"/>
+              <a:t> </a:t>
+            </a:r>
+            <a:r>
+              <a:rPr lang="en-US" altLang="zh-TW" sz="3000" dirty="0"/>
+              <a:t>Server</a:t>
+            </a:r>
+            <a:r>
+              <a:rPr lang="zh-TW" altLang="en-US" sz="3000" dirty="0"/>
+              <a:t>的方法：</a:t>
+            </a:r>
+            <a:endParaRPr lang="en-US" altLang="zh-TW" sz="3000" dirty="0"/>
+          </a:p>
+          <a:p>
+            <a:pPr lvl="1"/>
+            <a:r>
+              <a:rPr lang="zh-TW" altLang="en-US" sz="2800" dirty="0"/>
+              <a:t>特定</a:t>
+            </a:r>
+            <a:r>
+              <a:rPr lang="en-US" altLang="zh-TW" sz="2800" dirty="0"/>
+              <a:t>IP</a:t>
+            </a:r>
+          </a:p>
+          <a:p>
+            <a:pPr lvl="1"/>
+            <a:r>
+              <a:rPr lang="zh-TW" altLang="en-US" sz="2800" dirty="0"/>
+              <a:t>特定</a:t>
+            </a:r>
+            <a:r>
+              <a:rPr lang="en-US" altLang="zh-TW" sz="2800" dirty="0"/>
+              <a:t>Domain</a:t>
+            </a:r>
+          </a:p>
+          <a:p>
+            <a:endParaRPr lang="zh-TW" altLang="en-US" dirty="0"/>
+          </a:p>
+        </p:txBody>
+      </p:sp>
+      <p:sp>
+        <p:nvSpPr>
+          <p:cNvPr id="4" name="投影片編號版面配置區 3"/>
+          <p:cNvSpPr>
+            <a:spLocks noGrp="1"/>
+          </p:cNvSpPr>
+          <p:nvPr>
+            <p:ph type="sldNum" sz="quarter" idx="12"/>
+          </p:nvPr>
+        </p:nvSpPr>
+        <p:spPr/>
+        <p:txBody>
+          <a:bodyPr/>
+          <a:lstStyle/>
+          <a:p>
+            <a:fld id="{4FAB73BC-B049-4115-A692-8D63A059BFB8}" type="slidenum">
+              <a:rPr lang="en-US" smtClean="0"/>
+              <a:pPr/>
+              <a:t>5</a:t>
+            </a:fld>
+            <a:endParaRPr lang="en-US" dirty="0"/>
+          </a:p>
+        </p:txBody>
+      </p:sp>
+    </p:spTree>
+    <p:extLst>
+      <p:ext uri="{BB962C8B-B14F-4D97-AF65-F5344CB8AC3E}">
+        <p14:creationId xmlns:p14="http://schemas.microsoft.com/office/powerpoint/2010/main" val="1446142228"/>
+      </p:ext>
+    </p:extLst>
+  </p:cSld>
+  <p:clrMapOvr>
+    <a:masterClrMapping/>
+  </p:clrMapOvr>
+  <p:timing>
+    <p:tnLst>
+      <p:par>
+        <p:cTn id="1" dur="indefinite" restart="never" nodeType="tmRoot"/>
+      </p:par>
+    </p:tnLst>
+  </p:timing>
+</p:sld>
+</file>
+
+<file path=ppt/slides/slide50.xml><?xml version="1.0" encoding="utf-8"?>
+<p:sld xmlns:a="http://schemas.openxmlformats.org/drawingml/2006/main" xmlns:r="http://schemas.openxmlformats.org/officeDocument/2006/relationships" xmlns:p="http://schemas.openxmlformats.org/presentationml/2006/main">
+  <p:cSld>
+    <p:spTree>
+      <p:nvGrpSpPr>
+        <p:cNvPr id="1" name=""/>
+        <p:cNvGrpSpPr/>
+        <p:nvPr/>
+      </p:nvGrpSpPr>
+      <p:grpSpPr>
+        <a:xfrm>
+          <a:off x="0" y="0"/>
+          <a:ext cx="0" cy="0"/>
+          <a:chOff x="0" y="0"/>
+          <a:chExt cx="0" cy="0"/>
+        </a:xfrm>
+      </p:grpSpPr>
+      <p:sp>
+        <p:nvSpPr>
+          <p:cNvPr id="2" name="標題 1"/>
+          <p:cNvSpPr>
+            <a:spLocks noGrp="1"/>
+          </p:cNvSpPr>
+          <p:nvPr>
+            <p:ph type="title"/>
+          </p:nvPr>
+        </p:nvSpPr>
+        <p:spPr/>
+        <p:txBody>
+          <a:bodyPr/>
+          <a:lstStyle/>
+          <a:p>
+            <a:r>
+              <a:rPr lang="en-US" altLang="zh-TW" dirty="0"/>
+              <a:t>Requirement</a:t>
+            </a:r>
+            <a:endParaRPr lang="zh-TW" altLang="en-US" dirty="0"/>
+          </a:p>
+        </p:txBody>
+      </p:sp>
+      <p:sp>
+        <p:nvSpPr>
+          <p:cNvPr id="3" name="內容版面配置區 2"/>
+          <p:cNvSpPr>
+            <a:spLocks noGrp="1"/>
+          </p:cNvSpPr>
+          <p:nvPr>
+            <p:ph idx="1"/>
+          </p:nvPr>
+        </p:nvSpPr>
+        <p:spPr/>
+        <p:txBody>
+          <a:bodyPr/>
+          <a:lstStyle/>
+          <a:p>
+            <a:r>
+              <a:rPr lang="en-US" altLang="zh-TW" dirty="0" smtClean="0"/>
+              <a:t>Q: How to use this data?</a:t>
+            </a:r>
+            <a:endParaRPr lang="en-US" altLang="zh-TW" dirty="0"/>
+          </a:p>
+          <a:p>
+            <a:r>
+              <a:rPr lang="en-US" altLang="zh-TW" dirty="0" smtClean="0"/>
+              <a:t>A</a:t>
+            </a:r>
+            <a:r>
+              <a:rPr lang="en-US" altLang="zh-TW" dirty="0"/>
+              <a:t>: </a:t>
+            </a:r>
+            <a:r>
+              <a:rPr lang="en-US" altLang="zh-TW" dirty="0" smtClean="0"/>
+              <a:t>I </a:t>
+            </a:r>
+            <a:r>
+              <a:rPr lang="en-US" altLang="zh-TW" dirty="0"/>
+              <a:t>deal </a:t>
+            </a:r>
+            <a:r>
+              <a:rPr lang="en-US" altLang="zh-TW" dirty="0" smtClean="0"/>
+              <a:t>these </a:t>
+            </a:r>
+            <a:r>
+              <a:rPr lang="en-US" altLang="zh-TW" dirty="0"/>
+              <a:t>domain names </a:t>
+            </a:r>
+            <a:r>
+              <a:rPr lang="en-US" altLang="zh-TW" dirty="0" smtClean="0"/>
+              <a:t>as 38x80 pictures.</a:t>
+            </a:r>
+          </a:p>
+        </p:txBody>
+      </p:sp>
+      <p:sp>
+        <p:nvSpPr>
+          <p:cNvPr id="4" name="投影片編號版面配置區 3"/>
+          <p:cNvSpPr>
+            <a:spLocks noGrp="1"/>
+          </p:cNvSpPr>
+          <p:nvPr>
+            <p:ph type="sldNum" sz="quarter" idx="12"/>
+          </p:nvPr>
+        </p:nvSpPr>
+        <p:spPr/>
+        <p:txBody>
+          <a:bodyPr/>
+          <a:lstStyle/>
+          <a:p>
+            <a:fld id="{4FAB73BC-B049-4115-A692-8D63A059BFB8}" type="slidenum">
+              <a:rPr lang="en-US" smtClean="0"/>
+              <a:pPr/>
+              <a:t>50</a:t>
+            </a:fld>
+            <a:endParaRPr lang="en-US" dirty="0"/>
+          </a:p>
+        </p:txBody>
+      </p:sp>
+      <p:pic>
+        <p:nvPicPr>
+          <p:cNvPr id="5" name="圖片 4"/>
+          <p:cNvPicPr>
+            <a:picLocks noChangeAspect="1"/>
+          </p:cNvPicPr>
+          <p:nvPr/>
+        </p:nvPicPr>
+        <p:blipFill>
+          <a:blip r:embed="rId2"/>
+          <a:stretch>
+            <a:fillRect/>
+          </a:stretch>
+        </p:blipFill>
+        <p:spPr>
+          <a:xfrm>
+            <a:off x="927497" y="2927144"/>
+            <a:ext cx="7289005" cy="3710766"/>
+          </a:xfrm>
+          <a:prstGeom prst="rect">
+            <a:avLst/>
+          </a:prstGeom>
+        </p:spPr>
+      </p:pic>
+    </p:spTree>
+    <p:extLst>
+      <p:ext uri="{BB962C8B-B14F-4D97-AF65-F5344CB8AC3E}">
+        <p14:creationId xmlns:p14="http://schemas.microsoft.com/office/powerpoint/2010/main" val="4116307131"/>
+      </p:ext>
+    </p:extLst>
+  </p:cSld>
+  <p:clrMapOvr>
+    <a:masterClrMapping/>
+  </p:clrMapOvr>
+  <p:timing>
+    <p:tnLst>
+      <p:par>
+        <p:cTn id="1" dur="indefinite" restart="never" nodeType="tmRoot"/>
+      </p:par>
+    </p:tnLst>
+  </p:timing>
+</p:sld>
+</file>
+
+<file path=ppt/slides/slide51.xml><?xml version="1.0" encoding="utf-8"?>
+<p:sld xmlns:a="http://schemas.openxmlformats.org/drawingml/2006/main" xmlns:r="http://schemas.openxmlformats.org/officeDocument/2006/relationships" xmlns:p="http://schemas.openxmlformats.org/presentationml/2006/main">
+  <p:cSld>
+    <p:spTree>
+      <p:nvGrpSpPr>
+        <p:cNvPr id="1" name=""/>
+        <p:cNvGrpSpPr/>
+        <p:nvPr/>
+      </p:nvGrpSpPr>
+      <p:grpSpPr>
+        <a:xfrm>
+          <a:off x="0" y="0"/>
+          <a:ext cx="0" cy="0"/>
+          <a:chOff x="0" y="0"/>
+          <a:chExt cx="0" cy="0"/>
+        </a:xfrm>
+      </p:grpSpPr>
+      <p:sp>
+        <p:nvSpPr>
+          <p:cNvPr id="2" name="標題 1"/>
+          <p:cNvSpPr>
+            <a:spLocks noGrp="1"/>
+          </p:cNvSpPr>
+          <p:nvPr>
+            <p:ph type="title"/>
+          </p:nvPr>
+        </p:nvSpPr>
+        <p:spPr/>
+        <p:txBody>
+          <a:bodyPr/>
+          <a:lstStyle/>
+          <a:p>
+            <a:r>
+              <a:rPr lang="en-US" altLang="zh-TW" dirty="0"/>
+              <a:t>Requirement</a:t>
+            </a:r>
+            <a:endParaRPr lang="zh-TW" altLang="en-US" dirty="0"/>
+          </a:p>
+        </p:txBody>
+      </p:sp>
+      <p:sp>
+        <p:nvSpPr>
+          <p:cNvPr id="3" name="內容版面配置區 2"/>
+          <p:cNvSpPr>
+            <a:spLocks noGrp="1"/>
+          </p:cNvSpPr>
+          <p:nvPr>
+            <p:ph idx="1"/>
+          </p:nvPr>
+        </p:nvSpPr>
+        <p:spPr/>
+        <p:txBody>
+          <a:bodyPr/>
+          <a:lstStyle/>
+          <a:p>
+            <a:r>
+              <a:rPr lang="en-US" altLang="zh-TW" dirty="0" smtClean="0"/>
+              <a:t>Because we don’t have the “code”.</a:t>
+            </a:r>
+            <a:r>
+              <a:rPr lang="zh-TW" altLang="en-US" dirty="0" smtClean="0"/>
+              <a:t> </a:t>
+            </a:r>
+            <a:r>
+              <a:rPr lang="en-US" altLang="zh-TW" dirty="0" smtClean="0"/>
+              <a:t>We have to train an Auto-encoder model.</a:t>
+            </a:r>
+          </a:p>
+        </p:txBody>
+      </p:sp>
+      <p:sp>
+        <p:nvSpPr>
+          <p:cNvPr id="4" name="投影片編號版面配置區 3"/>
+          <p:cNvSpPr>
+            <a:spLocks noGrp="1"/>
+          </p:cNvSpPr>
+          <p:nvPr>
+            <p:ph type="sldNum" sz="quarter" idx="12"/>
+          </p:nvPr>
+        </p:nvSpPr>
+        <p:spPr/>
+        <p:txBody>
+          <a:bodyPr/>
+          <a:lstStyle/>
+          <a:p>
+            <a:fld id="{4FAB73BC-B049-4115-A692-8D63A059BFB8}" type="slidenum">
+              <a:rPr lang="en-US" smtClean="0"/>
+              <a:pPr/>
+              <a:t>51</a:t>
             </a:fld>
             <a:endParaRPr lang="en-US" dirty="0"/>
           </a:p>
@@ -22481,179 +22842,6 @@
   <p:clrMapOvr>
     <a:masterClrMapping/>
   </p:clrMapOvr>
-</p:sld>
-</file>
-
-<file path=ppt/slides/slide5.xml><?xml version="1.0" encoding="utf-8"?>
-<p:sld xmlns:a="http://schemas.openxmlformats.org/drawingml/2006/main" xmlns:r="http://schemas.openxmlformats.org/officeDocument/2006/relationships" xmlns:p="http://schemas.openxmlformats.org/presentationml/2006/main">
-  <p:cSld>
-    <p:spTree>
-      <p:nvGrpSpPr>
-        <p:cNvPr id="1" name=""/>
-        <p:cNvGrpSpPr/>
-        <p:nvPr/>
-      </p:nvGrpSpPr>
-      <p:grpSpPr>
-        <a:xfrm>
-          <a:off x="0" y="0"/>
-          <a:ext cx="0" cy="0"/>
-          <a:chOff x="0" y="0"/>
-          <a:chExt cx="0" cy="0"/>
-        </a:xfrm>
-      </p:grpSpPr>
-      <p:sp>
-        <p:nvSpPr>
-          <p:cNvPr id="5" name="標題 4"/>
-          <p:cNvSpPr>
-            <a:spLocks noGrp="1"/>
-          </p:cNvSpPr>
-          <p:nvPr>
-            <p:ph type="title"/>
-          </p:nvPr>
-        </p:nvSpPr>
-        <p:spPr>
-          <a:xfrm>
-            <a:off x="685800" y="354003"/>
-            <a:ext cx="7772400" cy="1229868"/>
-          </a:xfrm>
-        </p:spPr>
-        <p:txBody>
-          <a:bodyPr/>
-          <a:lstStyle/>
-          <a:p>
-            <a:r>
-              <a:rPr lang="en-US" altLang="zh-TW" cap="none" dirty="0"/>
-              <a:t>Botnet</a:t>
-            </a:r>
-            <a:endParaRPr lang="zh-TW" altLang="en-US" dirty="0"/>
-          </a:p>
-        </p:txBody>
-      </p:sp>
-      <p:sp>
-        <p:nvSpPr>
-          <p:cNvPr id="6" name="內容版面配置區 5"/>
-          <p:cNvSpPr>
-            <a:spLocks noGrp="1"/>
-          </p:cNvSpPr>
-          <p:nvPr>
-            <p:ph idx="1"/>
-          </p:nvPr>
-        </p:nvSpPr>
-        <p:spPr>
-          <a:xfrm>
-            <a:off x="685800" y="1641021"/>
-            <a:ext cx="7772400" cy="4996889"/>
-          </a:xfrm>
-        </p:spPr>
-        <p:txBody>
-          <a:bodyPr/>
-          <a:lstStyle/>
-          <a:p>
-            <a:r>
-              <a:rPr lang="en-US" altLang="zh-TW" sz="3000" dirty="0"/>
-              <a:t>Command and Control Server</a:t>
-            </a:r>
-          </a:p>
-          <a:p>
-            <a:r>
-              <a:rPr lang="en-US" altLang="zh-TW" sz="3000" dirty="0"/>
-              <a:t>Bot</a:t>
-            </a:r>
-          </a:p>
-          <a:p>
-            <a:endParaRPr lang="en-US" altLang="zh-TW" sz="3000" dirty="0"/>
-          </a:p>
-          <a:p>
-            <a:r>
-              <a:rPr lang="zh-TW" altLang="en-US" sz="3000" dirty="0"/>
-              <a:t>以往連接到</a:t>
-            </a:r>
-            <a:r>
-              <a:rPr lang="en-US" altLang="zh-TW" sz="3000" dirty="0"/>
-              <a:t>C&amp;C</a:t>
-            </a:r>
-            <a:r>
-              <a:rPr lang="zh-TW" altLang="en-US" sz="3000" dirty="0"/>
-              <a:t> </a:t>
-            </a:r>
-            <a:r>
-              <a:rPr lang="en-US" altLang="zh-TW" sz="3000" dirty="0"/>
-              <a:t>Server</a:t>
-            </a:r>
-            <a:r>
-              <a:rPr lang="zh-TW" altLang="en-US" sz="3000" dirty="0"/>
-              <a:t>的方法：</a:t>
-            </a:r>
-            <a:endParaRPr lang="en-US" altLang="zh-TW" sz="3000" dirty="0"/>
-          </a:p>
-          <a:p>
-            <a:pPr lvl="1"/>
-            <a:r>
-              <a:rPr lang="zh-TW" altLang="en-US" sz="2800" dirty="0"/>
-              <a:t>特定</a:t>
-            </a:r>
-            <a:r>
-              <a:rPr lang="en-US" altLang="zh-TW" sz="2800" dirty="0"/>
-              <a:t>IP</a:t>
-            </a:r>
-          </a:p>
-          <a:p>
-            <a:pPr lvl="1"/>
-            <a:r>
-              <a:rPr lang="zh-TW" altLang="en-US" sz="2800" dirty="0"/>
-              <a:t>特定</a:t>
-            </a:r>
-            <a:r>
-              <a:rPr lang="en-US" altLang="zh-TW" sz="2800" dirty="0"/>
-              <a:t>Domain</a:t>
-            </a:r>
-          </a:p>
-          <a:p>
-            <a:endParaRPr lang="zh-TW" altLang="en-US" dirty="0"/>
-          </a:p>
-        </p:txBody>
-      </p:sp>
-      <p:sp>
-        <p:nvSpPr>
-          <p:cNvPr id="4" name="投影片編號版面配置區 3"/>
-          <p:cNvSpPr>
-            <a:spLocks noGrp="1"/>
-          </p:cNvSpPr>
-          <p:nvPr>
-            <p:ph type="sldNum" sz="quarter" idx="12"/>
-          </p:nvPr>
-        </p:nvSpPr>
-        <p:spPr/>
-        <p:txBody>
-          <a:bodyPr/>
-          <a:lstStyle/>
-          <a:p>
-            <a:fld id="{4FAB73BC-B049-4115-A692-8D63A059BFB8}" type="slidenum">
-              <a:rPr lang="en-US" smtClean="0"/>
-              <a:pPr/>
-              <a:t>5</a:t>
-            </a:fld>
-            <a:endParaRPr lang="en-US" dirty="0"/>
-          </a:p>
-        </p:txBody>
-      </p:sp>
-    </p:spTree>
-    <p:extLst>
-      <p:ext uri="{BB962C8B-B14F-4D97-AF65-F5344CB8AC3E}">
-        <p14:creationId xmlns:p14="http://schemas.microsoft.com/office/powerpoint/2010/main" val="1446142228"/>
-      </p:ext>
-    </p:extLst>
-  </p:cSld>
-  <p:clrMapOvr>
-    <a:masterClrMapping/>
-  </p:clrMapOvr>
-  <p:timing>
-    <p:tnLst>
-      <p:par>
-        <p:cTn id="1" dur="indefinite" restart="never" nodeType="tmRoot"/>
-      </p:par>
-    </p:tnLst>
-  </p:timing>
 </p:sld>
 </file>
 
@@ -23366,7 +23554,6 @@
               <a:rPr lang="en-US" altLang="zh-TW" dirty="0" smtClean="0"/>
               <a:t>Bot</a:t>
             </a:r>
-            <a:endParaRPr lang="en-US" altLang="zh-TW" dirty="0" smtClean="0"/>
           </a:p>
           <a:p>
             <a:pPr marL="0" indent="0">
@@ -24195,7 +24382,6 @@
               <a:rPr lang="en-US" altLang="zh-TW" dirty="0" smtClean="0"/>
               <a:t>Bot</a:t>
             </a:r>
-            <a:endParaRPr lang="en-US" altLang="zh-TW" dirty="0" smtClean="0"/>
           </a:p>
           <a:p>
             <a:pPr marL="0" indent="0">
